--- a/Doc/흐름도 초안(수정).pptx
+++ b/Doc/흐름도 초안(수정).pptx
@@ -307,7 +307,7 @@
           <a:p>
             <a:fld id="{AD2DB9DA-2D44-46BB-96A2-2B2C8380358F}" type="datetimeFigureOut">
               <a:rPr lang="ko-KR" altLang="en-US" smtClean="0"/>
-              <a:t>2019-10-19</a:t>
+              <a:t>2019-10-21</a:t>
             </a:fld>
             <a:endParaRPr lang="ko-KR" altLang="en-US"/>
           </a:p>
@@ -477,7 +477,7 @@
           <a:p>
             <a:fld id="{AD2DB9DA-2D44-46BB-96A2-2B2C8380358F}" type="datetimeFigureOut">
               <a:rPr lang="ko-KR" altLang="en-US" smtClean="0"/>
-              <a:t>2019-10-19</a:t>
+              <a:t>2019-10-21</a:t>
             </a:fld>
             <a:endParaRPr lang="ko-KR" altLang="en-US"/>
           </a:p>
@@ -657,7 +657,7 @@
           <a:p>
             <a:fld id="{AD2DB9DA-2D44-46BB-96A2-2B2C8380358F}" type="datetimeFigureOut">
               <a:rPr lang="ko-KR" altLang="en-US" smtClean="0"/>
-              <a:t>2019-10-19</a:t>
+              <a:t>2019-10-21</a:t>
             </a:fld>
             <a:endParaRPr lang="ko-KR" altLang="en-US"/>
           </a:p>
@@ -827,7 +827,7 @@
           <a:p>
             <a:fld id="{AD2DB9DA-2D44-46BB-96A2-2B2C8380358F}" type="datetimeFigureOut">
               <a:rPr lang="ko-KR" altLang="en-US" smtClean="0"/>
-              <a:t>2019-10-19</a:t>
+              <a:t>2019-10-21</a:t>
             </a:fld>
             <a:endParaRPr lang="ko-KR" altLang="en-US"/>
           </a:p>
@@ -1073,7 +1073,7 @@
           <a:p>
             <a:fld id="{AD2DB9DA-2D44-46BB-96A2-2B2C8380358F}" type="datetimeFigureOut">
               <a:rPr lang="ko-KR" altLang="en-US" smtClean="0"/>
-              <a:t>2019-10-19</a:t>
+              <a:t>2019-10-21</a:t>
             </a:fld>
             <a:endParaRPr lang="ko-KR" altLang="en-US"/>
           </a:p>
@@ -1361,7 +1361,7 @@
           <a:p>
             <a:fld id="{AD2DB9DA-2D44-46BB-96A2-2B2C8380358F}" type="datetimeFigureOut">
               <a:rPr lang="ko-KR" altLang="en-US" smtClean="0"/>
-              <a:t>2019-10-19</a:t>
+              <a:t>2019-10-21</a:t>
             </a:fld>
             <a:endParaRPr lang="ko-KR" altLang="en-US"/>
           </a:p>
@@ -1783,7 +1783,7 @@
           <a:p>
             <a:fld id="{AD2DB9DA-2D44-46BB-96A2-2B2C8380358F}" type="datetimeFigureOut">
               <a:rPr lang="ko-KR" altLang="en-US" smtClean="0"/>
-              <a:t>2019-10-19</a:t>
+              <a:t>2019-10-21</a:t>
             </a:fld>
             <a:endParaRPr lang="ko-KR" altLang="en-US"/>
           </a:p>
@@ -1901,7 +1901,7 @@
           <a:p>
             <a:fld id="{AD2DB9DA-2D44-46BB-96A2-2B2C8380358F}" type="datetimeFigureOut">
               <a:rPr lang="ko-KR" altLang="en-US" smtClean="0"/>
-              <a:t>2019-10-19</a:t>
+              <a:t>2019-10-21</a:t>
             </a:fld>
             <a:endParaRPr lang="ko-KR" altLang="en-US"/>
           </a:p>
@@ -1996,7 +1996,7 @@
           <a:p>
             <a:fld id="{AD2DB9DA-2D44-46BB-96A2-2B2C8380358F}" type="datetimeFigureOut">
               <a:rPr lang="ko-KR" altLang="en-US" smtClean="0"/>
-              <a:t>2019-10-19</a:t>
+              <a:t>2019-10-21</a:t>
             </a:fld>
             <a:endParaRPr lang="ko-KR" altLang="en-US"/>
           </a:p>
@@ -2273,7 +2273,7 @@
           <a:p>
             <a:fld id="{AD2DB9DA-2D44-46BB-96A2-2B2C8380358F}" type="datetimeFigureOut">
               <a:rPr lang="ko-KR" altLang="en-US" smtClean="0"/>
-              <a:t>2019-10-19</a:t>
+              <a:t>2019-10-21</a:t>
             </a:fld>
             <a:endParaRPr lang="ko-KR" altLang="en-US"/>
           </a:p>
@@ -2526,7 +2526,7 @@
           <a:p>
             <a:fld id="{AD2DB9DA-2D44-46BB-96A2-2B2C8380358F}" type="datetimeFigureOut">
               <a:rPr lang="ko-KR" altLang="en-US" smtClean="0"/>
-              <a:t>2019-10-19</a:t>
+              <a:t>2019-10-21</a:t>
             </a:fld>
             <a:endParaRPr lang="ko-KR" altLang="en-US"/>
           </a:p>
@@ -2739,7 +2739,7 @@
           <a:p>
             <a:fld id="{AD2DB9DA-2D44-46BB-96A2-2B2C8380358F}" type="datetimeFigureOut">
               <a:rPr lang="ko-KR" altLang="en-US" smtClean="0"/>
-              <a:t>2019-10-19</a:t>
+              <a:t>2019-10-21</a:t>
             </a:fld>
             <a:endParaRPr lang="ko-KR" altLang="en-US"/>
           </a:p>
@@ -3137,8 +3137,8 @@
         </p:blipFill>
         <p:spPr bwMode="auto">
           <a:xfrm>
-            <a:off x="1139512" y="2592452"/>
-            <a:ext cx="1387626" cy="1387626"/>
+            <a:off x="1145646" y="2690809"/>
+            <a:ext cx="1800200" cy="1387626"/>
           </a:xfrm>
           <a:prstGeom prst="rect">
             <a:avLst/>
@@ -3191,8 +3191,8 @@
         </p:blipFill>
         <p:spPr bwMode="auto">
           <a:xfrm>
-            <a:off x="1259632" y="1346896"/>
-            <a:ext cx="1267506" cy="887142"/>
+            <a:off x="1259632" y="1275097"/>
+            <a:ext cx="1572228" cy="1100420"/>
           </a:xfrm>
           <a:prstGeom prst="rect">
             <a:avLst/>
@@ -3256,60 +3256,6 @@
           </a:p>
         </p:txBody>
       </p:sp>
-      <p:pic>
-        <p:nvPicPr>
-          <p:cNvPr id="1028" name="Picture 4"/>
-          <p:cNvPicPr>
-            <a:picLocks noChangeAspect="1" noChangeArrowheads="1"/>
-          </p:cNvPicPr>
-          <p:nvPr/>
-        </p:nvPicPr>
-        <p:blipFill>
-          <a:blip r:embed="rId4" cstate="print">
-            <a:extLst>
-              <a:ext uri="{28A0092B-C50C-407E-A947-70E740481C1C}">
-                <a14:useLocalDpi xmlns:a14="http://schemas.microsoft.com/office/drawing/2010/main" val="0"/>
-              </a:ext>
-            </a:extLst>
-          </a:blip>
-          <a:srcRect/>
-          <a:stretch>
-            <a:fillRect/>
-          </a:stretch>
-        </p:blipFill>
-        <p:spPr bwMode="auto">
-          <a:xfrm>
-            <a:off x="1244704" y="4437112"/>
-            <a:ext cx="1226797" cy="1040904"/>
-          </a:xfrm>
-          <a:prstGeom prst="rect">
-            <a:avLst/>
-          </a:prstGeom>
-          <a:noFill/>
-          <a:ln>
-            <a:noFill/>
-          </a:ln>
-          <a:extLst>
-            <a:ext uri="{909E8E84-426E-40DD-AFC4-6F175D3DCCD1}">
-              <a14:hiddenFill xmlns:a14="http://schemas.microsoft.com/office/drawing/2010/main">
-                <a:solidFill>
-                  <a:schemeClr val="accent1"/>
-                </a:solidFill>
-              </a14:hiddenFill>
-            </a:ext>
-            <a:ext uri="{91240B29-F687-4F45-9708-019B960494DF}">
-              <a14:hiddenLine xmlns:a14="http://schemas.microsoft.com/office/drawing/2010/main" w="9525">
-                <a:solidFill>
-                  <a:schemeClr val="tx1"/>
-                </a:solidFill>
-                <a:miter lim="800000"/>
-                <a:headEnd/>
-                <a:tailEnd/>
-              </a14:hiddenLine>
-            </a:ext>
-          </a:extLst>
-        </p:spPr>
-      </p:pic>
       <p:grpSp>
         <p:nvGrpSpPr>
           <p:cNvPr id="7" name="그룹 6"/>
@@ -3318,7 +3264,7 @@
         </p:nvGrpSpPr>
         <p:grpSpPr>
           <a:xfrm>
-            <a:off x="3059832" y="1464541"/>
+            <a:off x="3707904" y="1455975"/>
             <a:ext cx="2664296" cy="714448"/>
             <a:chOff x="3059832" y="1265880"/>
             <a:chExt cx="2664296" cy="714448"/>
@@ -3397,7 +3343,7 @@
         </p:nvGrpSpPr>
         <p:grpSpPr>
           <a:xfrm>
-            <a:off x="3059832" y="4505184"/>
+            <a:off x="3779912" y="4509120"/>
             <a:ext cx="2232248" cy="762884"/>
             <a:chOff x="3059832" y="4252446"/>
             <a:chExt cx="2232248" cy="762884"/>
@@ -3426,8 +3372,12 @@
             <a:lstStyle/>
             <a:p>
               <a:r>
-                <a:rPr lang="en-US" altLang="ko-KR" dirty="0" smtClean="0"/>
-                <a:t>Anaconda 3.7</a:t>
+                <a:rPr lang="ko-KR" altLang="en-US" dirty="0" smtClean="0"/>
+                <a:t>랜덤 </a:t>
+              </a:r>
+              <a:r>
+                <a:rPr lang="ko-KR" altLang="en-US" dirty="0" err="1" smtClean="0"/>
+                <a:t>포레스트</a:t>
               </a:r>
               <a:endParaRPr lang="ko-KR" altLang="en-US" dirty="0"/>
             </a:p>
@@ -3457,7 +3407,11 @@
             <a:p>
               <a:r>
                 <a:rPr lang="ko-KR" altLang="en-US" dirty="0" smtClean="0"/>
-                <a:t>프로그램 </a:t>
+                <a:t>알고리즘</a:t>
+              </a:r>
+              <a:r>
+                <a:rPr lang="ko-KR" altLang="en-US" dirty="0" smtClean="0"/>
+                <a:t> </a:t>
               </a:r>
               <a:r>
                 <a:rPr lang="en-US" altLang="ko-KR" dirty="0" smtClean="0"/>
@@ -3476,7 +3430,7 @@
         </p:nvGrpSpPr>
         <p:grpSpPr>
           <a:xfrm>
-            <a:off x="3059832" y="2906698"/>
+            <a:off x="3779912" y="2906698"/>
             <a:ext cx="2232248" cy="759133"/>
             <a:chOff x="3059832" y="2732267"/>
             <a:chExt cx="2232248" cy="759133"/>
@@ -3547,6 +3501,36 @@
           </p:txBody>
         </p:sp>
       </p:grpSp>
+      <p:pic>
+        <p:nvPicPr>
+          <p:cNvPr id="2" name="그림 1" descr="화면 캡처"/>
+          <p:cNvPicPr>
+            <a:picLocks noChangeAspect="1"/>
+          </p:cNvPicPr>
+          <p:nvPr/>
+        </p:nvPicPr>
+        <p:blipFill>
+          <a:blip r:embed="rId4" cstate="print">
+            <a:extLst>
+              <a:ext uri="{28A0092B-C50C-407E-A947-70E740481C1C}">
+                <a14:useLocalDpi xmlns:a14="http://schemas.microsoft.com/office/drawing/2010/main" val="0"/>
+              </a:ext>
+            </a:extLst>
+          </a:blip>
+          <a:stretch>
+            <a:fillRect/>
+          </a:stretch>
+        </p:blipFill>
+        <p:spPr>
+          <a:xfrm>
+            <a:off x="1259632" y="4393727"/>
+            <a:ext cx="1572228" cy="1127029"/>
+          </a:xfrm>
+          <a:prstGeom prst="rect">
+            <a:avLst/>
+          </a:prstGeom>
+        </p:spPr>
+      </p:pic>
     </p:spTree>
     <p:extLst>
       <p:ext uri="{BB962C8B-B14F-4D97-AF65-F5344CB8AC3E}">
@@ -3557,6 +3541,13 @@
   <p:clrMapOvr>
     <a:masterClrMapping/>
   </p:clrMapOvr>
+  <p:timing>
+    <p:tnLst>
+      <p:par>
+        <p:cTn id="1" dur="indefinite" restart="never" nodeType="tmRoot"/>
+      </p:par>
+    </p:tnLst>
+  </p:timing>
 </p:sld>
 </file>
 
@@ -3612,14 +3603,14 @@
       </p:sp>
       <p:sp>
         <p:nvSpPr>
-          <p:cNvPr id="5" name="TextBox 4"/>
+          <p:cNvPr id="12" name="TextBox 11"/>
           <p:cNvSpPr txBox="1"/>
           <p:nvPr/>
         </p:nvSpPr>
         <p:spPr>
           <a:xfrm>
-            <a:off x="3600608" y="2409821"/>
-            <a:ext cx="1440160" cy="369332"/>
+            <a:off x="876416" y="4837802"/>
+            <a:ext cx="1427923" cy="369332"/>
           </a:xfrm>
           <a:prstGeom prst="rect">
             <a:avLst/>
@@ -3634,7 +3625,7 @@
           <a:p>
             <a:r>
               <a:rPr lang="ko-KR" altLang="en-US" dirty="0" smtClean="0"/>
-              <a:t>아나콘다</a:t>
+              <a:t>데이터 수집 </a:t>
             </a:r>
             <a:endParaRPr lang="ko-KR" altLang="en-US" dirty="0"/>
           </a:p>
@@ -3642,14 +3633,14 @@
       </p:sp>
       <p:sp>
         <p:nvSpPr>
-          <p:cNvPr id="12" name="TextBox 11"/>
+          <p:cNvPr id="13" name="TextBox 12"/>
           <p:cNvSpPr txBox="1"/>
           <p:nvPr/>
         </p:nvSpPr>
         <p:spPr>
           <a:xfrm>
-            <a:off x="876416" y="4837802"/>
-            <a:ext cx="1427923" cy="369332"/>
+            <a:off x="3245507" y="4831230"/>
+            <a:ext cx="2376264" cy="369332"/>
           </a:xfrm>
           <a:prstGeom prst="rect">
             <a:avLst/>
@@ -3664,71 +3655,7 @@
           <a:p>
             <a:r>
               <a:rPr lang="ko-KR" altLang="en-US" dirty="0" smtClean="0"/>
-              <a:t>데이터 수집 </a:t>
-            </a:r>
-            <a:endParaRPr lang="ko-KR" altLang="en-US" dirty="0"/>
-          </a:p>
-        </p:txBody>
-      </p:sp>
-      <p:sp>
-        <p:nvSpPr>
-          <p:cNvPr id="13" name="TextBox 12"/>
-          <p:cNvSpPr txBox="1"/>
-          <p:nvPr/>
-        </p:nvSpPr>
-        <p:spPr>
-          <a:xfrm>
-            <a:off x="3245507" y="4831230"/>
-            <a:ext cx="2376264" cy="369332"/>
-          </a:xfrm>
-          <a:prstGeom prst="rect">
-            <a:avLst/>
-          </a:prstGeom>
-          <a:noFill/>
-        </p:spPr>
-        <p:txBody>
-          <a:bodyPr wrap="square" rtlCol="0">
-            <a:spAutoFit/>
-          </a:bodyPr>
-          <a:lstStyle/>
-          <a:p>
-            <a:r>
-              <a:rPr lang="ko-KR" altLang="en-US" dirty="0" smtClean="0"/>
-              <a:t>데이터 </a:t>
-            </a:r>
-            <a:r>
-              <a:rPr lang="ko-KR" altLang="en-US" dirty="0" smtClean="0"/>
-              <a:t>삽입 가공</a:t>
-            </a:r>
-            <a:endParaRPr lang="ko-KR" altLang="en-US" dirty="0"/>
-          </a:p>
-        </p:txBody>
-      </p:sp>
-      <p:sp>
-        <p:nvSpPr>
-          <p:cNvPr id="14" name="TextBox 13"/>
-          <p:cNvSpPr txBox="1"/>
-          <p:nvPr/>
-        </p:nvSpPr>
-        <p:spPr>
-          <a:xfrm>
-            <a:off x="6440392" y="2435656"/>
-            <a:ext cx="1440160" cy="369332"/>
-          </a:xfrm>
-          <a:prstGeom prst="rect">
-            <a:avLst/>
-          </a:prstGeom>
-          <a:noFill/>
-        </p:spPr>
-        <p:txBody>
-          <a:bodyPr wrap="square" rtlCol="0">
-            <a:spAutoFit/>
-          </a:bodyPr>
-          <a:lstStyle/>
-          <a:p>
-            <a:r>
-              <a:rPr lang="ko-KR" altLang="en-US" dirty="0" smtClean="0"/>
-              <a:t>아나콘다</a:t>
+              <a:t>데이터 삽입 가공</a:t>
             </a:r>
             <a:endParaRPr lang="ko-KR" altLang="en-US" dirty="0"/>
           </a:p>
@@ -4307,7 +4234,7 @@
       </p:sp>
       <p:pic>
         <p:nvPicPr>
-          <p:cNvPr id="27" name="Picture 4"/>
+          <p:cNvPr id="29" name="Picture 2"/>
           <p:cNvPicPr>
             <a:picLocks noChangeAspect="1" noChangeArrowheads="1"/>
           </p:cNvPicPr>
@@ -4328,8 +4255,8 @@
         </p:blipFill>
         <p:spPr bwMode="auto">
           <a:xfrm>
-            <a:off x="3556695" y="1307318"/>
-            <a:ext cx="1226797" cy="1040904"/>
+            <a:off x="3440835" y="1614890"/>
+            <a:ext cx="1441639" cy="1111241"/>
           </a:xfrm>
           <a:prstGeom prst="rect">
             <a:avLst/>
@@ -4361,7 +4288,7 @@
       </p:pic>
       <p:pic>
         <p:nvPicPr>
-          <p:cNvPr id="28" name="Picture 4"/>
+          <p:cNvPr id="30" name="Picture 2"/>
           <p:cNvPicPr>
             <a:picLocks noChangeAspect="1" noChangeArrowheads="1"/>
           </p:cNvPicPr>
@@ -4382,8 +4309,8 @@
         </p:blipFill>
         <p:spPr bwMode="auto">
           <a:xfrm>
-            <a:off x="6421476" y="1307318"/>
-            <a:ext cx="1226797" cy="1040904"/>
+            <a:off x="6446398" y="1584990"/>
+            <a:ext cx="1365962" cy="1141141"/>
           </a:xfrm>
           <a:prstGeom prst="rect">
             <a:avLst/>
@@ -4423,6 +4350,13 @@
   <p:clrMapOvr>
     <a:masterClrMapping/>
   </p:clrMapOvr>
+  <p:timing>
+    <p:tnLst>
+      <p:par>
+        <p:cTn id="1" dur="indefinite" restart="never" nodeType="tmRoot"/>
+      </p:par>
+    </p:tnLst>
+  </p:timing>
 </p:sld>
 </file>
 
@@ -4511,60 +4445,6 @@
               <a:avLst/>
             </a:prstGeom>
             <a:noFill/>
-          </p:spPr>
-        </p:pic>
-        <p:pic>
-          <p:nvPicPr>
-            <p:cNvPr id="6" name="Picture 4"/>
-            <p:cNvPicPr>
-              <a:picLocks noChangeAspect="1" noChangeArrowheads="1"/>
-            </p:cNvPicPr>
-            <p:nvPr/>
-          </p:nvPicPr>
-          <p:blipFill>
-            <a:blip r:embed="rId3" cstate="print">
-              <a:extLst>
-                <a:ext uri="{28A0092B-C50C-407E-A947-70E740481C1C}">
-                  <a14:useLocalDpi xmlns:a14="http://schemas.microsoft.com/office/drawing/2010/main" val="0"/>
-                </a:ext>
-              </a:extLst>
-            </a:blip>
-            <a:srcRect/>
-            <a:stretch>
-              <a:fillRect/>
-            </a:stretch>
-          </p:blipFill>
-          <p:spPr bwMode="auto">
-            <a:xfrm>
-              <a:off x="2627784" y="1556792"/>
-              <a:ext cx="1080120" cy="916453"/>
-            </a:xfrm>
-            <a:prstGeom prst="rect">
-              <a:avLst/>
-            </a:prstGeom>
-            <a:noFill/>
-            <a:ln>
-              <a:noFill/>
-            </a:ln>
-            <a:extLst>
-              <a:ext uri="{909E8E84-426E-40DD-AFC4-6F175D3DCCD1}">
-                <a14:hiddenFill xmlns:a14="http://schemas.microsoft.com/office/drawing/2010/main">
-                  <a:solidFill>
-                    <a:schemeClr val="accent1"/>
-                  </a:solidFill>
-                </a14:hiddenFill>
-              </a:ext>
-              <a:ext uri="{91240B29-F687-4F45-9708-019B960494DF}">
-                <a14:hiddenLine xmlns:a14="http://schemas.microsoft.com/office/drawing/2010/main" w="9525">
-                  <a:solidFill>
-                    <a:schemeClr val="tx1"/>
-                  </a:solidFill>
-                  <a:miter lim="800000"/>
-                  <a:headEnd/>
-                  <a:tailEnd/>
-                </a14:hiddenLine>
-              </a:ext>
-            </a:extLst>
           </p:spPr>
         </p:pic>
         <p:sp>
@@ -4827,114 +4707,6 @@
             </a:p>
           </p:txBody>
         </p:sp>
-        <p:pic>
-          <p:nvPicPr>
-            <p:cNvPr id="14" name="Picture 4"/>
-            <p:cNvPicPr>
-              <a:picLocks noChangeAspect="1" noChangeArrowheads="1"/>
-            </p:cNvPicPr>
-            <p:nvPr/>
-          </p:nvPicPr>
-          <p:blipFill>
-            <a:blip r:embed="rId3" cstate="print">
-              <a:extLst>
-                <a:ext uri="{28A0092B-C50C-407E-A947-70E740481C1C}">
-                  <a14:useLocalDpi xmlns:a14="http://schemas.microsoft.com/office/drawing/2010/main" val="0"/>
-                </a:ext>
-              </a:extLst>
-            </a:blip>
-            <a:srcRect/>
-            <a:stretch>
-              <a:fillRect/>
-            </a:stretch>
-          </p:blipFill>
-          <p:spPr bwMode="auto">
-            <a:xfrm>
-              <a:off x="2627784" y="3606789"/>
-              <a:ext cx="1080120" cy="916453"/>
-            </a:xfrm>
-            <a:prstGeom prst="rect">
-              <a:avLst/>
-            </a:prstGeom>
-            <a:noFill/>
-            <a:ln>
-              <a:noFill/>
-            </a:ln>
-            <a:extLst>
-              <a:ext uri="{909E8E84-426E-40DD-AFC4-6F175D3DCCD1}">
-                <a14:hiddenFill xmlns:a14="http://schemas.microsoft.com/office/drawing/2010/main">
-                  <a:solidFill>
-                    <a:schemeClr val="accent1"/>
-                  </a:solidFill>
-                </a14:hiddenFill>
-              </a:ext>
-              <a:ext uri="{91240B29-F687-4F45-9708-019B960494DF}">
-                <a14:hiddenLine xmlns:a14="http://schemas.microsoft.com/office/drawing/2010/main" w="9525">
-                  <a:solidFill>
-                    <a:schemeClr val="tx1"/>
-                  </a:solidFill>
-                  <a:miter lim="800000"/>
-                  <a:headEnd/>
-                  <a:tailEnd/>
-                </a14:hiddenLine>
-              </a:ext>
-            </a:extLst>
-          </p:spPr>
-        </p:pic>
-        <p:pic>
-          <p:nvPicPr>
-            <p:cNvPr id="15" name="Picture 4"/>
-            <p:cNvPicPr>
-              <a:picLocks noChangeAspect="1" noChangeArrowheads="1"/>
-            </p:cNvPicPr>
-            <p:nvPr/>
-          </p:nvPicPr>
-          <p:blipFill>
-            <a:blip r:embed="rId3" cstate="print">
-              <a:extLst>
-                <a:ext uri="{28A0092B-C50C-407E-A947-70E740481C1C}">
-                  <a14:useLocalDpi xmlns:a14="http://schemas.microsoft.com/office/drawing/2010/main" val="0"/>
-                </a:ext>
-              </a:extLst>
-            </a:blip>
-            <a:srcRect/>
-            <a:stretch>
-              <a:fillRect/>
-            </a:stretch>
-          </p:blipFill>
-          <p:spPr bwMode="auto">
-            <a:xfrm>
-              <a:off x="588202" y="3641576"/>
-              <a:ext cx="1080120" cy="916453"/>
-            </a:xfrm>
-            <a:prstGeom prst="rect">
-              <a:avLst/>
-            </a:prstGeom>
-            <a:noFill/>
-            <a:ln>
-              <a:noFill/>
-            </a:ln>
-            <a:extLst>
-              <a:ext uri="{909E8E84-426E-40DD-AFC4-6F175D3DCCD1}">
-                <a14:hiddenFill xmlns:a14="http://schemas.microsoft.com/office/drawing/2010/main">
-                  <a:solidFill>
-                    <a:schemeClr val="accent1"/>
-                  </a:solidFill>
-                </a14:hiddenFill>
-              </a:ext>
-              <a:ext uri="{91240B29-F687-4F45-9708-019B960494DF}">
-                <a14:hiddenLine xmlns:a14="http://schemas.microsoft.com/office/drawing/2010/main" w="9525">
-                  <a:solidFill>
-                    <a:schemeClr val="tx1"/>
-                  </a:solidFill>
-                  <a:miter lim="800000"/>
-                  <a:headEnd/>
-                  <a:tailEnd/>
-                </a14:hiddenLine>
-              </a:ext>
-            </a:extLst>
-          </p:spPr>
-        </p:pic>
         <p:sp>
           <p:nvSpPr>
             <p:cNvPr id="16" name="오른쪽 화살표 15"/>
@@ -5207,6 +4979,168 @@
           </p:txBody>
         </p:sp>
       </p:grpSp>
+      <p:pic>
+        <p:nvPicPr>
+          <p:cNvPr id="24" name="Picture 2"/>
+          <p:cNvPicPr>
+            <a:picLocks noChangeAspect="1" noChangeArrowheads="1"/>
+          </p:cNvPicPr>
+          <p:nvPr/>
+        </p:nvPicPr>
+        <p:blipFill>
+          <a:blip r:embed="rId3" cstate="print">
+            <a:extLst>
+              <a:ext uri="{28A0092B-C50C-407E-A947-70E740481C1C}">
+                <a14:useLocalDpi xmlns:a14="http://schemas.microsoft.com/office/drawing/2010/main" val="0"/>
+              </a:ext>
+            </a:extLst>
+          </a:blip>
+          <a:srcRect/>
+          <a:stretch>
+            <a:fillRect/>
+          </a:stretch>
+        </p:blipFill>
+        <p:spPr bwMode="auto">
+          <a:xfrm>
+            <a:off x="2586740" y="1846091"/>
+            <a:ext cx="1121164" cy="1294237"/>
+          </a:xfrm>
+          <a:prstGeom prst="rect">
+            <a:avLst/>
+          </a:prstGeom>
+          <a:noFill/>
+          <a:ln>
+            <a:noFill/>
+          </a:ln>
+          <a:extLst>
+            <a:ext uri="{909E8E84-426E-40DD-AFC4-6F175D3DCCD1}">
+              <a14:hiddenFill xmlns:a14="http://schemas.microsoft.com/office/drawing/2010/main">
+                <a:solidFill>
+                  <a:schemeClr val="accent1"/>
+                </a:solidFill>
+              </a14:hiddenFill>
+            </a:ext>
+            <a:ext uri="{91240B29-F687-4F45-9708-019B960494DF}">
+              <a14:hiddenLine xmlns:a14="http://schemas.microsoft.com/office/drawing/2010/main" w="9525">
+                <a:solidFill>
+                  <a:schemeClr val="tx1"/>
+                </a:solidFill>
+                <a:miter lim="800000"/>
+                <a:headEnd/>
+                <a:tailEnd/>
+              </a14:hiddenLine>
+            </a:ext>
+          </a:extLst>
+        </p:spPr>
+      </p:pic>
+      <p:pic>
+        <p:nvPicPr>
+          <p:cNvPr id="25" name="Picture 2"/>
+          <p:cNvPicPr>
+            <a:picLocks noChangeAspect="1" noChangeArrowheads="1"/>
+          </p:cNvPicPr>
+          <p:nvPr/>
+        </p:nvPicPr>
+        <p:blipFill>
+          <a:blip r:embed="rId3" cstate="print">
+            <a:extLst>
+              <a:ext uri="{28A0092B-C50C-407E-A947-70E740481C1C}">
+                <a14:useLocalDpi xmlns:a14="http://schemas.microsoft.com/office/drawing/2010/main" val="0"/>
+              </a:ext>
+            </a:extLst>
+          </a:blip>
+          <a:srcRect/>
+          <a:stretch>
+            <a:fillRect/>
+          </a:stretch>
+        </p:blipFill>
+        <p:spPr bwMode="auto">
+          <a:xfrm>
+            <a:off x="2608771" y="4351849"/>
+            <a:ext cx="1121164" cy="1294237"/>
+          </a:xfrm>
+          <a:prstGeom prst="rect">
+            <a:avLst/>
+          </a:prstGeom>
+          <a:noFill/>
+          <a:ln>
+            <a:noFill/>
+          </a:ln>
+          <a:extLst>
+            <a:ext uri="{909E8E84-426E-40DD-AFC4-6F175D3DCCD1}">
+              <a14:hiddenFill xmlns:a14="http://schemas.microsoft.com/office/drawing/2010/main">
+                <a:solidFill>
+                  <a:schemeClr val="accent1"/>
+                </a:solidFill>
+              </a14:hiddenFill>
+            </a:ext>
+            <a:ext uri="{91240B29-F687-4F45-9708-019B960494DF}">
+              <a14:hiddenLine xmlns:a14="http://schemas.microsoft.com/office/drawing/2010/main" w="9525">
+                <a:solidFill>
+                  <a:schemeClr val="tx1"/>
+                </a:solidFill>
+                <a:miter lim="800000"/>
+                <a:headEnd/>
+                <a:tailEnd/>
+              </a14:hiddenLine>
+            </a:ext>
+          </a:extLst>
+        </p:spPr>
+      </p:pic>
+      <p:pic>
+        <p:nvPicPr>
+          <p:cNvPr id="26" name="Picture 2"/>
+          <p:cNvPicPr>
+            <a:picLocks noChangeAspect="1" noChangeArrowheads="1"/>
+          </p:cNvPicPr>
+          <p:nvPr/>
+        </p:nvPicPr>
+        <p:blipFill>
+          <a:blip r:embed="rId3" cstate="print">
+            <a:extLst>
+              <a:ext uri="{28A0092B-C50C-407E-A947-70E740481C1C}">
+                <a14:useLocalDpi xmlns:a14="http://schemas.microsoft.com/office/drawing/2010/main" val="0"/>
+              </a:ext>
+            </a:extLst>
+          </a:blip>
+          <a:srcRect/>
+          <a:stretch>
+            <a:fillRect/>
+          </a:stretch>
+        </p:blipFill>
+        <p:spPr bwMode="auto">
+          <a:xfrm>
+            <a:off x="489078" y="4390572"/>
+            <a:ext cx="1121164" cy="1294237"/>
+          </a:xfrm>
+          <a:prstGeom prst="rect">
+            <a:avLst/>
+          </a:prstGeom>
+          <a:noFill/>
+          <a:ln>
+            <a:noFill/>
+          </a:ln>
+          <a:extLst>
+            <a:ext uri="{909E8E84-426E-40DD-AFC4-6F175D3DCCD1}">
+              <a14:hiddenFill xmlns:a14="http://schemas.microsoft.com/office/drawing/2010/main">
+                <a:solidFill>
+                  <a:schemeClr val="accent1"/>
+                </a:solidFill>
+              </a14:hiddenFill>
+            </a:ext>
+            <a:ext uri="{91240B29-F687-4F45-9708-019B960494DF}">
+              <a14:hiddenLine xmlns:a14="http://schemas.microsoft.com/office/drawing/2010/main" w="9525">
+                <a:solidFill>
+                  <a:schemeClr val="tx1"/>
+                </a:solidFill>
+                <a:miter lim="800000"/>
+                <a:headEnd/>
+                <a:tailEnd/>
+              </a14:hiddenLine>
+            </a:ext>
+          </a:extLst>
+        </p:spPr>
+      </p:pic>
     </p:spTree>
     <p:extLst>
       <p:ext uri="{BB962C8B-B14F-4D97-AF65-F5344CB8AC3E}">

--- a/Doc/흐름도 초안(수정).pptx
+++ b/Doc/흐름도 초안(수정).pptx
@@ -5,10 +5,9 @@
     <p:sldMasterId id="2147483648" r:id="rId1"/>
   </p:sldMasterIdLst>
   <p:sldIdLst>
-    <p:sldId id="256" r:id="rId2"/>
-    <p:sldId id="257" r:id="rId3"/>
-    <p:sldId id="259" r:id="rId4"/>
-    <p:sldId id="258" r:id="rId5"/>
+    <p:sldId id="259" r:id="rId2"/>
+    <p:sldId id="256" r:id="rId3"/>
+    <p:sldId id="258" r:id="rId4"/>
   </p:sldIdLst>
   <p:sldSz cx="9144000" cy="6858000" type="screen4x3"/>
   <p:notesSz cx="6858000" cy="9144000"/>
@@ -3114,6 +3113,1591 @@
           <a:chExt cx="0" cy="0"/>
         </a:xfrm>
       </p:grpSpPr>
+      <p:sp>
+        <p:nvSpPr>
+          <p:cNvPr id="4" name="TextBox 3"/>
+          <p:cNvSpPr txBox="1"/>
+          <p:nvPr/>
+        </p:nvSpPr>
+        <p:spPr>
+          <a:xfrm>
+            <a:off x="713945" y="485311"/>
+            <a:ext cx="2448272" cy="461665"/>
+          </a:xfrm>
+          <a:prstGeom prst="rect">
+            <a:avLst/>
+          </a:prstGeom>
+          <a:noFill/>
+        </p:spPr>
+        <p:txBody>
+          <a:bodyPr wrap="square" rtlCol="0">
+            <a:spAutoFit/>
+          </a:bodyPr>
+          <a:lstStyle/>
+          <a:p>
+            <a:r>
+              <a:rPr lang="ko-KR" altLang="en-US" sz="2400" dirty="0" smtClean="0"/>
+              <a:t>흐름도</a:t>
+            </a:r>
+            <a:endParaRPr lang="ko-KR" altLang="en-US" sz="2400" dirty="0"/>
+          </a:p>
+        </p:txBody>
+      </p:sp>
+      <p:sp>
+        <p:nvSpPr>
+          <p:cNvPr id="17" name="모서리가 둥근 직사각형 16"/>
+          <p:cNvSpPr/>
+          <p:nvPr/>
+        </p:nvSpPr>
+        <p:spPr>
+          <a:xfrm>
+            <a:off x="323528" y="946976"/>
+            <a:ext cx="8448870" cy="5722384"/>
+          </a:xfrm>
+          <a:prstGeom prst="roundRect">
+            <a:avLst/>
+          </a:prstGeom>
+          <a:noFill/>
+          <a:ln w="76200">
+            <a:solidFill>
+              <a:srgbClr val="C00000"/>
+            </a:solidFill>
+          </a:ln>
+        </p:spPr>
+        <p:style>
+          <a:lnRef idx="2">
+            <a:schemeClr val="accent1">
+              <a:shade val="50000"/>
+            </a:schemeClr>
+          </a:lnRef>
+          <a:fillRef idx="1">
+            <a:schemeClr val="accent1"/>
+          </a:fillRef>
+          <a:effectRef idx="0">
+            <a:schemeClr val="accent1"/>
+          </a:effectRef>
+          <a:fontRef idx="minor">
+            <a:schemeClr val="lt1"/>
+          </a:fontRef>
+        </p:style>
+        <p:txBody>
+          <a:bodyPr rtlCol="0" anchor="ctr"/>
+          <a:lstStyle/>
+          <a:p>
+            <a:pPr algn="ctr"/>
+            <a:endParaRPr lang="ko-KR" altLang="en-US"/>
+          </a:p>
+        </p:txBody>
+      </p:sp>
+      <p:sp>
+        <p:nvSpPr>
+          <p:cNvPr id="2" name="타원 1"/>
+          <p:cNvSpPr/>
+          <p:nvPr/>
+        </p:nvSpPr>
+        <p:spPr>
+          <a:xfrm>
+            <a:off x="1622183" y="1200020"/>
+            <a:ext cx="1224136" cy="360040"/>
+          </a:xfrm>
+          <a:prstGeom prst="ellipse">
+            <a:avLst/>
+          </a:prstGeom>
+          <a:noFill/>
+        </p:spPr>
+        <p:style>
+          <a:lnRef idx="2">
+            <a:schemeClr val="accent1">
+              <a:shade val="50000"/>
+            </a:schemeClr>
+          </a:lnRef>
+          <a:fillRef idx="1">
+            <a:schemeClr val="accent1"/>
+          </a:fillRef>
+          <a:effectRef idx="0">
+            <a:schemeClr val="accent1"/>
+          </a:effectRef>
+          <a:fontRef idx="minor">
+            <a:schemeClr val="lt1"/>
+          </a:fontRef>
+        </p:style>
+        <p:txBody>
+          <a:bodyPr rtlCol="0" anchor="ctr"/>
+          <a:lstStyle/>
+          <a:p>
+            <a:pPr algn="ctr"/>
+            <a:r>
+              <a:rPr lang="ko-KR" altLang="en-US" dirty="0" smtClean="0">
+                <a:solidFill>
+                  <a:schemeClr val="tx1"/>
+                </a:solidFill>
+              </a:rPr>
+              <a:t>시작</a:t>
+            </a:r>
+            <a:endParaRPr lang="ko-KR" altLang="en-US" dirty="0">
+              <a:solidFill>
+                <a:schemeClr val="tx1"/>
+              </a:solidFill>
+            </a:endParaRPr>
+          </a:p>
+        </p:txBody>
+      </p:sp>
+      <p:cxnSp>
+        <p:nvCxnSpPr>
+          <p:cNvPr id="7" name="직선 화살표 연결선 6"/>
+          <p:cNvCxnSpPr>
+            <a:stCxn id="2" idx="4"/>
+          </p:cNvCxnSpPr>
+          <p:nvPr/>
+        </p:nvCxnSpPr>
+        <p:spPr>
+          <a:xfrm>
+            <a:off x="2234251" y="1560060"/>
+            <a:ext cx="0" cy="352895"/>
+          </a:xfrm>
+          <a:prstGeom prst="straightConnector1">
+            <a:avLst/>
+          </a:prstGeom>
+          <a:ln>
+            <a:tailEnd type="triangle"/>
+          </a:ln>
+        </p:spPr>
+        <p:style>
+          <a:lnRef idx="1">
+            <a:schemeClr val="accent1"/>
+          </a:lnRef>
+          <a:fillRef idx="0">
+            <a:schemeClr val="accent1"/>
+          </a:fillRef>
+          <a:effectRef idx="0">
+            <a:schemeClr val="accent1"/>
+          </a:effectRef>
+          <a:fontRef idx="minor">
+            <a:schemeClr val="tx1"/>
+          </a:fontRef>
+        </p:style>
+      </p:cxnSp>
+      <p:sp>
+        <p:nvSpPr>
+          <p:cNvPr id="14" name="직사각형 13"/>
+          <p:cNvSpPr/>
+          <p:nvPr/>
+        </p:nvSpPr>
+        <p:spPr>
+          <a:xfrm>
+            <a:off x="1478167" y="1912955"/>
+            <a:ext cx="1512167" cy="583209"/>
+          </a:xfrm>
+          <a:prstGeom prst="rect">
+            <a:avLst/>
+          </a:prstGeom>
+          <a:noFill/>
+        </p:spPr>
+        <p:style>
+          <a:lnRef idx="2">
+            <a:schemeClr val="accent1">
+              <a:shade val="50000"/>
+            </a:schemeClr>
+          </a:lnRef>
+          <a:fillRef idx="1">
+            <a:schemeClr val="accent1"/>
+          </a:fillRef>
+          <a:effectRef idx="0">
+            <a:schemeClr val="accent1"/>
+          </a:effectRef>
+          <a:fontRef idx="minor">
+            <a:schemeClr val="lt1"/>
+          </a:fontRef>
+        </p:style>
+        <p:txBody>
+          <a:bodyPr rtlCol="0" anchor="ctr"/>
+          <a:lstStyle/>
+          <a:p>
+            <a:pPr algn="ctr"/>
+            <a:r>
+              <a:rPr lang="ko-KR" altLang="en-US" dirty="0" smtClean="0">
+                <a:solidFill>
+                  <a:schemeClr val="tx1"/>
+                </a:solidFill>
+              </a:rPr>
+              <a:t>데이터 수집</a:t>
+            </a:r>
+            <a:endParaRPr lang="ko-KR" altLang="en-US" dirty="0">
+              <a:solidFill>
+                <a:schemeClr val="tx1"/>
+              </a:solidFill>
+            </a:endParaRPr>
+          </a:p>
+        </p:txBody>
+      </p:sp>
+      <p:cxnSp>
+        <p:nvCxnSpPr>
+          <p:cNvPr id="28" name="직선 화살표 연결선 27"/>
+          <p:cNvCxnSpPr>
+            <a:stCxn id="14" idx="2"/>
+          </p:cNvCxnSpPr>
+          <p:nvPr/>
+        </p:nvCxnSpPr>
+        <p:spPr>
+          <a:xfrm flipH="1">
+            <a:off x="2234250" y="2496164"/>
+            <a:ext cx="1" cy="242631"/>
+          </a:xfrm>
+          <a:prstGeom prst="straightConnector1">
+            <a:avLst/>
+          </a:prstGeom>
+          <a:ln>
+            <a:tailEnd type="triangle"/>
+          </a:ln>
+        </p:spPr>
+        <p:style>
+          <a:lnRef idx="1">
+            <a:schemeClr val="accent1"/>
+          </a:lnRef>
+          <a:fillRef idx="0">
+            <a:schemeClr val="accent1"/>
+          </a:fillRef>
+          <a:effectRef idx="0">
+            <a:schemeClr val="accent1"/>
+          </a:effectRef>
+          <a:fontRef idx="minor">
+            <a:schemeClr val="tx1"/>
+          </a:fontRef>
+        </p:style>
+      </p:cxnSp>
+      <p:sp>
+        <p:nvSpPr>
+          <p:cNvPr id="30" name="직사각형 29"/>
+          <p:cNvSpPr/>
+          <p:nvPr/>
+        </p:nvSpPr>
+        <p:spPr>
+          <a:xfrm>
+            <a:off x="1478167" y="2762936"/>
+            <a:ext cx="1512167" cy="583209"/>
+          </a:xfrm>
+          <a:prstGeom prst="rect">
+            <a:avLst/>
+          </a:prstGeom>
+          <a:noFill/>
+        </p:spPr>
+        <p:style>
+          <a:lnRef idx="2">
+            <a:schemeClr val="accent1">
+              <a:shade val="50000"/>
+            </a:schemeClr>
+          </a:lnRef>
+          <a:fillRef idx="1">
+            <a:schemeClr val="accent1"/>
+          </a:fillRef>
+          <a:effectRef idx="0">
+            <a:schemeClr val="accent1"/>
+          </a:effectRef>
+          <a:fontRef idx="minor">
+            <a:schemeClr val="lt1"/>
+          </a:fontRef>
+        </p:style>
+        <p:txBody>
+          <a:bodyPr rtlCol="0" anchor="ctr"/>
+          <a:lstStyle/>
+          <a:p>
+            <a:pPr algn="ctr"/>
+            <a:r>
+              <a:rPr lang="ko-KR" altLang="en-US" dirty="0" smtClean="0">
+                <a:solidFill>
+                  <a:schemeClr val="tx1"/>
+                </a:solidFill>
+              </a:rPr>
+              <a:t>데이터 삽입</a:t>
+            </a:r>
+            <a:endParaRPr lang="ko-KR" altLang="en-US" dirty="0">
+              <a:solidFill>
+                <a:schemeClr val="tx1"/>
+              </a:solidFill>
+            </a:endParaRPr>
+          </a:p>
+        </p:txBody>
+      </p:sp>
+      <p:cxnSp>
+        <p:nvCxnSpPr>
+          <p:cNvPr id="32" name="직선 화살표 연결선 31"/>
+          <p:cNvCxnSpPr>
+            <a:stCxn id="30" idx="2"/>
+          </p:cNvCxnSpPr>
+          <p:nvPr/>
+        </p:nvCxnSpPr>
+        <p:spPr>
+          <a:xfrm flipH="1">
+            <a:off x="2234250" y="3346145"/>
+            <a:ext cx="1" cy="242631"/>
+          </a:xfrm>
+          <a:prstGeom prst="straightConnector1">
+            <a:avLst/>
+          </a:prstGeom>
+          <a:ln>
+            <a:tailEnd type="triangle"/>
+          </a:ln>
+        </p:spPr>
+        <p:style>
+          <a:lnRef idx="1">
+            <a:schemeClr val="accent1"/>
+          </a:lnRef>
+          <a:fillRef idx="0">
+            <a:schemeClr val="accent1"/>
+          </a:fillRef>
+          <a:effectRef idx="0">
+            <a:schemeClr val="accent1"/>
+          </a:effectRef>
+          <a:fontRef idx="minor">
+            <a:schemeClr val="tx1"/>
+          </a:fontRef>
+        </p:style>
+      </p:cxnSp>
+      <p:sp>
+        <p:nvSpPr>
+          <p:cNvPr id="33" name="직사각형 32"/>
+          <p:cNvSpPr/>
+          <p:nvPr/>
+        </p:nvSpPr>
+        <p:spPr>
+          <a:xfrm>
+            <a:off x="1471653" y="4538422"/>
+            <a:ext cx="1512167" cy="752187"/>
+          </a:xfrm>
+          <a:prstGeom prst="rect">
+            <a:avLst/>
+          </a:prstGeom>
+          <a:noFill/>
+        </p:spPr>
+        <p:style>
+          <a:lnRef idx="2">
+            <a:schemeClr val="accent1">
+              <a:shade val="50000"/>
+            </a:schemeClr>
+          </a:lnRef>
+          <a:fillRef idx="1">
+            <a:schemeClr val="accent1"/>
+          </a:fillRef>
+          <a:effectRef idx="0">
+            <a:schemeClr val="accent1"/>
+          </a:effectRef>
+          <a:fontRef idx="minor">
+            <a:schemeClr val="lt1"/>
+          </a:fontRef>
+        </p:style>
+        <p:txBody>
+          <a:bodyPr rtlCol="0" anchor="ctr"/>
+          <a:lstStyle/>
+          <a:p>
+            <a:pPr algn="ctr"/>
+            <a:r>
+              <a:rPr lang="ko-KR" altLang="en-US" sz="1600" dirty="0" smtClean="0">
+                <a:solidFill>
+                  <a:schemeClr val="tx1"/>
+                </a:solidFill>
+              </a:rPr>
+              <a:t>회귀분석 </a:t>
+            </a:r>
+            <a:endParaRPr lang="en-US" altLang="ko-KR" sz="1600" dirty="0" smtClean="0">
+              <a:solidFill>
+                <a:schemeClr val="tx1"/>
+              </a:solidFill>
+            </a:endParaRPr>
+          </a:p>
+          <a:p>
+            <a:pPr algn="ctr"/>
+            <a:r>
+              <a:rPr lang="ko-KR" altLang="en-US" sz="1600" dirty="0" smtClean="0">
+                <a:solidFill>
+                  <a:schemeClr val="tx1"/>
+                </a:solidFill>
+              </a:rPr>
+              <a:t>알고리즘</a:t>
+            </a:r>
+            <a:endParaRPr lang="en-US" altLang="ko-KR" sz="1600" dirty="0" smtClean="0">
+              <a:solidFill>
+                <a:schemeClr val="tx1"/>
+              </a:solidFill>
+            </a:endParaRPr>
+          </a:p>
+          <a:p>
+            <a:pPr algn="ctr"/>
+            <a:r>
+              <a:rPr lang="en-US" altLang="ko-KR" sz="1400" dirty="0" smtClean="0">
+                <a:solidFill>
+                  <a:schemeClr val="tx1"/>
+                </a:solidFill>
+              </a:rPr>
+              <a:t>(</a:t>
+            </a:r>
+            <a:r>
+              <a:rPr lang="ko-KR" altLang="en-US" sz="1400" dirty="0" smtClean="0">
+                <a:solidFill>
+                  <a:schemeClr val="tx1"/>
+                </a:solidFill>
+              </a:rPr>
+              <a:t>랜덤 </a:t>
+            </a:r>
+            <a:r>
+              <a:rPr lang="ko-KR" altLang="en-US" sz="1400" dirty="0" err="1" smtClean="0">
+                <a:solidFill>
+                  <a:schemeClr val="tx1"/>
+                </a:solidFill>
+              </a:rPr>
+              <a:t>포레스트</a:t>
+            </a:r>
+            <a:r>
+              <a:rPr lang="en-US" altLang="ko-KR" sz="1400" dirty="0" smtClean="0">
+                <a:solidFill>
+                  <a:schemeClr val="tx1"/>
+                </a:solidFill>
+              </a:rPr>
+              <a:t>)</a:t>
+            </a:r>
+            <a:endParaRPr lang="ko-KR" altLang="en-US" sz="1400" dirty="0">
+              <a:solidFill>
+                <a:schemeClr val="tx1"/>
+              </a:solidFill>
+            </a:endParaRPr>
+          </a:p>
+        </p:txBody>
+      </p:sp>
+      <p:sp>
+        <p:nvSpPr>
+          <p:cNvPr id="36" name="순서도: 데이터 35"/>
+          <p:cNvSpPr/>
+          <p:nvPr/>
+        </p:nvSpPr>
+        <p:spPr>
+          <a:xfrm>
+            <a:off x="1478166" y="3576916"/>
+            <a:ext cx="1512167" cy="648072"/>
+          </a:xfrm>
+          <a:prstGeom prst="flowChartInputOutput">
+            <a:avLst/>
+          </a:prstGeom>
+          <a:noFill/>
+        </p:spPr>
+        <p:style>
+          <a:lnRef idx="2">
+            <a:schemeClr val="accent1">
+              <a:shade val="50000"/>
+            </a:schemeClr>
+          </a:lnRef>
+          <a:fillRef idx="1">
+            <a:schemeClr val="accent1"/>
+          </a:fillRef>
+          <a:effectRef idx="0">
+            <a:schemeClr val="accent1"/>
+          </a:effectRef>
+          <a:fontRef idx="minor">
+            <a:schemeClr val="lt1"/>
+          </a:fontRef>
+        </p:style>
+        <p:txBody>
+          <a:bodyPr rtlCol="0" anchor="ctr"/>
+          <a:lstStyle/>
+          <a:p>
+            <a:pPr algn="ctr"/>
+            <a:r>
+              <a:rPr lang="ko-KR" altLang="en-US" dirty="0" smtClean="0">
+                <a:solidFill>
+                  <a:schemeClr val="tx1"/>
+                </a:solidFill>
+              </a:rPr>
+              <a:t>전처리 데이터</a:t>
+            </a:r>
+            <a:endParaRPr lang="ko-KR" altLang="en-US" dirty="0">
+              <a:solidFill>
+                <a:schemeClr val="tx1"/>
+              </a:solidFill>
+            </a:endParaRPr>
+          </a:p>
+        </p:txBody>
+      </p:sp>
+      <p:cxnSp>
+        <p:nvCxnSpPr>
+          <p:cNvPr id="38" name="직선 화살표 연결선 37"/>
+          <p:cNvCxnSpPr>
+            <a:stCxn id="36" idx="4"/>
+            <a:endCxn id="33" idx="0"/>
+          </p:cNvCxnSpPr>
+          <p:nvPr/>
+        </p:nvCxnSpPr>
+        <p:spPr>
+          <a:xfrm flipH="1">
+            <a:off x="2227737" y="4224988"/>
+            <a:ext cx="6513" cy="313434"/>
+          </a:xfrm>
+          <a:prstGeom prst="straightConnector1">
+            <a:avLst/>
+          </a:prstGeom>
+          <a:ln>
+            <a:tailEnd type="triangle"/>
+          </a:ln>
+        </p:spPr>
+        <p:style>
+          <a:lnRef idx="1">
+            <a:schemeClr val="accent1"/>
+          </a:lnRef>
+          <a:fillRef idx="0">
+            <a:schemeClr val="accent1"/>
+          </a:fillRef>
+          <a:effectRef idx="0">
+            <a:schemeClr val="accent1"/>
+          </a:effectRef>
+          <a:fontRef idx="minor">
+            <a:schemeClr val="tx1"/>
+          </a:fontRef>
+        </p:style>
+      </p:cxnSp>
+      <p:cxnSp>
+        <p:nvCxnSpPr>
+          <p:cNvPr id="40" name="직선 화살표 연결선 39"/>
+          <p:cNvCxnSpPr>
+            <a:stCxn id="33" idx="2"/>
+          </p:cNvCxnSpPr>
+          <p:nvPr/>
+        </p:nvCxnSpPr>
+        <p:spPr>
+          <a:xfrm flipH="1">
+            <a:off x="2227736" y="5290609"/>
+            <a:ext cx="1" cy="370639"/>
+          </a:xfrm>
+          <a:prstGeom prst="straightConnector1">
+            <a:avLst/>
+          </a:prstGeom>
+          <a:ln>
+            <a:tailEnd type="triangle"/>
+          </a:ln>
+        </p:spPr>
+        <p:style>
+          <a:lnRef idx="1">
+            <a:schemeClr val="accent1"/>
+          </a:lnRef>
+          <a:fillRef idx="0">
+            <a:schemeClr val="accent1"/>
+          </a:fillRef>
+          <a:effectRef idx="0">
+            <a:schemeClr val="accent1"/>
+          </a:effectRef>
+          <a:fontRef idx="minor">
+            <a:schemeClr val="tx1"/>
+          </a:fontRef>
+        </p:style>
+      </p:cxnSp>
+      <p:sp>
+        <p:nvSpPr>
+          <p:cNvPr id="41" name="순서도: 판단 40"/>
+          <p:cNvSpPr/>
+          <p:nvPr/>
+        </p:nvSpPr>
+        <p:spPr>
+          <a:xfrm>
+            <a:off x="1478168" y="5708841"/>
+            <a:ext cx="1505651" cy="720080"/>
+          </a:xfrm>
+          <a:prstGeom prst="flowChartDecision">
+            <a:avLst/>
+          </a:prstGeom>
+          <a:noFill/>
+        </p:spPr>
+        <p:style>
+          <a:lnRef idx="2">
+            <a:schemeClr val="accent1">
+              <a:shade val="50000"/>
+            </a:schemeClr>
+          </a:lnRef>
+          <a:fillRef idx="1">
+            <a:schemeClr val="accent1"/>
+          </a:fillRef>
+          <a:effectRef idx="0">
+            <a:schemeClr val="accent1"/>
+          </a:effectRef>
+          <a:fontRef idx="minor">
+            <a:schemeClr val="lt1"/>
+          </a:fontRef>
+        </p:style>
+        <p:txBody>
+          <a:bodyPr rtlCol="0" anchor="ctr"/>
+          <a:lstStyle/>
+          <a:p>
+            <a:pPr algn="ctr"/>
+            <a:r>
+              <a:rPr lang="en-US" altLang="ko-KR" sz="1400" dirty="0" smtClean="0">
+                <a:solidFill>
+                  <a:schemeClr val="tx1"/>
+                </a:solidFill>
+              </a:rPr>
+              <a:t>TOP</a:t>
+            </a:r>
+          </a:p>
+          <a:p>
+            <a:pPr algn="ctr"/>
+            <a:r>
+              <a:rPr lang="en-US" altLang="ko-KR" sz="1200" dirty="0" smtClean="0">
+                <a:solidFill>
+                  <a:schemeClr val="tx1"/>
+                </a:solidFill>
+              </a:rPr>
+              <a:t>(</a:t>
+            </a:r>
+            <a:r>
+              <a:rPr lang="ko-KR" altLang="en-US" sz="1200" dirty="0" smtClean="0">
+                <a:solidFill>
+                  <a:schemeClr val="tx1"/>
+                </a:solidFill>
+              </a:rPr>
+              <a:t>적중률</a:t>
+            </a:r>
+            <a:r>
+              <a:rPr lang="en-US" altLang="ko-KR" sz="1200" dirty="0" smtClean="0">
+                <a:solidFill>
+                  <a:schemeClr val="tx1"/>
+                </a:solidFill>
+              </a:rPr>
+              <a:t>)</a:t>
+            </a:r>
+            <a:endParaRPr lang="ko-KR" altLang="en-US" dirty="0">
+              <a:solidFill>
+                <a:schemeClr val="tx1"/>
+              </a:solidFill>
+            </a:endParaRPr>
+          </a:p>
+        </p:txBody>
+      </p:sp>
+      <p:grpSp>
+        <p:nvGrpSpPr>
+          <p:cNvPr id="62" name="그룹 61"/>
+          <p:cNvGrpSpPr/>
+          <p:nvPr/>
+        </p:nvGrpSpPr>
+        <p:grpSpPr>
+          <a:xfrm flipH="1">
+            <a:off x="779114" y="4914515"/>
+            <a:ext cx="665341" cy="1154366"/>
+            <a:chOff x="2983819" y="4914515"/>
+            <a:chExt cx="1012117" cy="1154366"/>
+          </a:xfrm>
+        </p:grpSpPr>
+        <p:cxnSp>
+          <p:nvCxnSpPr>
+            <p:cNvPr id="56" name="직선 연결선 55"/>
+            <p:cNvCxnSpPr>
+              <a:stCxn id="41" idx="3"/>
+            </p:cNvCxnSpPr>
+            <p:nvPr/>
+          </p:nvCxnSpPr>
+          <p:spPr>
+            <a:xfrm>
+              <a:off x="2983819" y="6068881"/>
+              <a:ext cx="1012117" cy="0"/>
+            </a:xfrm>
+            <a:prstGeom prst="line">
+              <a:avLst/>
+            </a:prstGeom>
+          </p:spPr>
+          <p:style>
+            <a:lnRef idx="1">
+              <a:schemeClr val="accent1"/>
+            </a:lnRef>
+            <a:fillRef idx="0">
+              <a:schemeClr val="accent1"/>
+            </a:fillRef>
+            <a:effectRef idx="0">
+              <a:schemeClr val="accent1"/>
+            </a:effectRef>
+            <a:fontRef idx="minor">
+              <a:schemeClr val="tx1"/>
+            </a:fontRef>
+          </p:style>
+        </p:cxnSp>
+        <p:cxnSp>
+          <p:nvCxnSpPr>
+            <p:cNvPr id="58" name="직선 연결선 57"/>
+            <p:cNvCxnSpPr/>
+            <p:nvPr/>
+          </p:nvCxnSpPr>
+          <p:spPr>
+            <a:xfrm flipV="1">
+              <a:off x="3995936" y="4914515"/>
+              <a:ext cx="0" cy="1154366"/>
+            </a:xfrm>
+            <a:prstGeom prst="line">
+              <a:avLst/>
+            </a:prstGeom>
+          </p:spPr>
+          <p:style>
+            <a:lnRef idx="1">
+              <a:schemeClr val="accent1"/>
+            </a:lnRef>
+            <a:fillRef idx="0">
+              <a:schemeClr val="accent1"/>
+            </a:fillRef>
+            <a:effectRef idx="0">
+              <a:schemeClr val="accent1"/>
+            </a:effectRef>
+            <a:fontRef idx="minor">
+              <a:schemeClr val="tx1"/>
+            </a:fontRef>
+          </p:style>
+        </p:cxnSp>
+        <p:cxnSp>
+          <p:nvCxnSpPr>
+            <p:cNvPr id="60" name="직선 화살표 연결선 59"/>
+            <p:cNvCxnSpPr>
+              <a:endCxn id="33" idx="3"/>
+            </p:cNvCxnSpPr>
+            <p:nvPr/>
+          </p:nvCxnSpPr>
+          <p:spPr>
+            <a:xfrm flipH="1">
+              <a:off x="2983820" y="4914515"/>
+              <a:ext cx="1012116" cy="1"/>
+            </a:xfrm>
+            <a:prstGeom prst="straightConnector1">
+              <a:avLst/>
+            </a:prstGeom>
+            <a:ln>
+              <a:tailEnd type="triangle"/>
+            </a:ln>
+          </p:spPr>
+          <p:style>
+            <a:lnRef idx="1">
+              <a:schemeClr val="accent1"/>
+            </a:lnRef>
+            <a:fillRef idx="0">
+              <a:schemeClr val="accent1"/>
+            </a:fillRef>
+            <a:effectRef idx="0">
+              <a:schemeClr val="accent1"/>
+            </a:effectRef>
+            <a:fontRef idx="minor">
+              <a:schemeClr val="tx1"/>
+            </a:fontRef>
+          </p:style>
+        </p:cxnSp>
+      </p:grpSp>
+      <p:sp>
+        <p:nvSpPr>
+          <p:cNvPr id="61" name="TextBox 60"/>
+          <p:cNvSpPr txBox="1"/>
+          <p:nvPr/>
+        </p:nvSpPr>
+        <p:spPr>
+          <a:xfrm>
+            <a:off x="998148" y="6087610"/>
+            <a:ext cx="624035" cy="369332"/>
+          </a:xfrm>
+          <a:prstGeom prst="rect">
+            <a:avLst/>
+          </a:prstGeom>
+          <a:noFill/>
+        </p:spPr>
+        <p:txBody>
+          <a:bodyPr wrap="square" rtlCol="0">
+            <a:spAutoFit/>
+          </a:bodyPr>
+          <a:lstStyle/>
+          <a:p>
+            <a:r>
+              <a:rPr lang="en-US" altLang="ko-KR" dirty="0" smtClean="0"/>
+              <a:t>NO</a:t>
+            </a:r>
+            <a:endParaRPr lang="ko-KR" altLang="en-US" dirty="0"/>
+          </a:p>
+        </p:txBody>
+      </p:sp>
+      <p:cxnSp>
+        <p:nvCxnSpPr>
+          <p:cNvPr id="73" name="직선 연결선 72"/>
+          <p:cNvCxnSpPr>
+            <a:stCxn id="41" idx="3"/>
+          </p:cNvCxnSpPr>
+          <p:nvPr/>
+        </p:nvCxnSpPr>
+        <p:spPr>
+          <a:xfrm>
+            <a:off x="2983819" y="6068881"/>
+            <a:ext cx="1156133" cy="0"/>
+          </a:xfrm>
+          <a:prstGeom prst="line">
+            <a:avLst/>
+          </a:prstGeom>
+        </p:spPr>
+        <p:style>
+          <a:lnRef idx="1">
+            <a:schemeClr val="accent1"/>
+          </a:lnRef>
+          <a:fillRef idx="0">
+            <a:schemeClr val="accent1"/>
+          </a:fillRef>
+          <a:effectRef idx="0">
+            <a:schemeClr val="accent1"/>
+          </a:effectRef>
+          <a:fontRef idx="minor">
+            <a:schemeClr val="tx1"/>
+          </a:fontRef>
+        </p:style>
+      </p:cxnSp>
+      <p:sp>
+        <p:nvSpPr>
+          <p:cNvPr id="74" name="TextBox 73"/>
+          <p:cNvSpPr txBox="1"/>
+          <p:nvPr/>
+        </p:nvSpPr>
+        <p:spPr>
+          <a:xfrm>
+            <a:off x="3561885" y="6068881"/>
+            <a:ext cx="624035" cy="369332"/>
+          </a:xfrm>
+          <a:prstGeom prst="rect">
+            <a:avLst/>
+          </a:prstGeom>
+          <a:noFill/>
+        </p:spPr>
+        <p:txBody>
+          <a:bodyPr wrap="square" rtlCol="0">
+            <a:spAutoFit/>
+          </a:bodyPr>
+          <a:lstStyle/>
+          <a:p>
+            <a:r>
+              <a:rPr lang="en-US" altLang="ko-KR" dirty="0" smtClean="0"/>
+              <a:t>YES</a:t>
+            </a:r>
+            <a:endParaRPr lang="ko-KR" altLang="en-US" dirty="0"/>
+          </a:p>
+        </p:txBody>
+      </p:sp>
+      <p:sp>
+        <p:nvSpPr>
+          <p:cNvPr id="75" name="순서도: 데이터 74"/>
+          <p:cNvSpPr/>
+          <p:nvPr/>
+        </p:nvSpPr>
+        <p:spPr>
+          <a:xfrm>
+            <a:off x="5004048" y="1848092"/>
+            <a:ext cx="1512167" cy="648072"/>
+          </a:xfrm>
+          <a:prstGeom prst="flowChartInputOutput">
+            <a:avLst/>
+          </a:prstGeom>
+          <a:noFill/>
+        </p:spPr>
+        <p:style>
+          <a:lnRef idx="2">
+            <a:schemeClr val="accent1">
+              <a:shade val="50000"/>
+            </a:schemeClr>
+          </a:lnRef>
+          <a:fillRef idx="1">
+            <a:schemeClr val="accent1"/>
+          </a:fillRef>
+          <a:effectRef idx="0">
+            <a:schemeClr val="accent1"/>
+          </a:effectRef>
+          <a:fontRef idx="minor">
+            <a:schemeClr val="lt1"/>
+          </a:fontRef>
+        </p:style>
+        <p:txBody>
+          <a:bodyPr rtlCol="0" anchor="ctr"/>
+          <a:lstStyle/>
+          <a:p>
+            <a:pPr algn="ctr"/>
+            <a:r>
+              <a:rPr lang="ko-KR" altLang="en-US" dirty="0" smtClean="0">
+                <a:solidFill>
+                  <a:schemeClr val="tx1"/>
+                </a:solidFill>
+              </a:rPr>
+              <a:t>모델</a:t>
+            </a:r>
+            <a:endParaRPr lang="ko-KR" altLang="en-US" dirty="0">
+              <a:solidFill>
+                <a:schemeClr val="tx1"/>
+              </a:solidFill>
+            </a:endParaRPr>
+          </a:p>
+        </p:txBody>
+      </p:sp>
+      <p:sp>
+        <p:nvSpPr>
+          <p:cNvPr id="76" name="순서도: 데이터 75"/>
+          <p:cNvSpPr/>
+          <p:nvPr/>
+        </p:nvSpPr>
+        <p:spPr>
+          <a:xfrm>
+            <a:off x="6505170" y="1848092"/>
+            <a:ext cx="1512167" cy="648072"/>
+          </a:xfrm>
+          <a:prstGeom prst="flowChartInputOutput">
+            <a:avLst/>
+          </a:prstGeom>
+          <a:noFill/>
+        </p:spPr>
+        <p:style>
+          <a:lnRef idx="2">
+            <a:schemeClr val="accent1">
+              <a:shade val="50000"/>
+            </a:schemeClr>
+          </a:lnRef>
+          <a:fillRef idx="1">
+            <a:schemeClr val="accent1"/>
+          </a:fillRef>
+          <a:effectRef idx="0">
+            <a:schemeClr val="accent1"/>
+          </a:effectRef>
+          <a:fontRef idx="minor">
+            <a:schemeClr val="lt1"/>
+          </a:fontRef>
+        </p:style>
+        <p:txBody>
+          <a:bodyPr rtlCol="0" anchor="ctr"/>
+          <a:lstStyle/>
+          <a:p>
+            <a:pPr algn="ctr"/>
+            <a:r>
+              <a:rPr lang="ko-KR" altLang="en-US" dirty="0" smtClean="0">
+                <a:solidFill>
+                  <a:schemeClr val="tx1"/>
+                </a:solidFill>
+              </a:rPr>
+              <a:t>오늘 </a:t>
+            </a:r>
+            <a:endParaRPr lang="en-US" altLang="ko-KR" dirty="0" smtClean="0">
+              <a:solidFill>
+                <a:schemeClr val="tx1"/>
+              </a:solidFill>
+            </a:endParaRPr>
+          </a:p>
+          <a:p>
+            <a:pPr algn="ctr"/>
+            <a:r>
+              <a:rPr lang="ko-KR" altLang="en-US" sz="1400" dirty="0" smtClean="0">
+                <a:solidFill>
+                  <a:schemeClr val="tx1"/>
+                </a:solidFill>
+              </a:rPr>
+              <a:t>기상정보</a:t>
+            </a:r>
+            <a:endParaRPr lang="ko-KR" altLang="en-US" dirty="0">
+              <a:solidFill>
+                <a:schemeClr val="tx1"/>
+              </a:solidFill>
+            </a:endParaRPr>
+          </a:p>
+        </p:txBody>
+      </p:sp>
+      <p:cxnSp>
+        <p:nvCxnSpPr>
+          <p:cNvPr id="78" name="직선 연결선 77"/>
+          <p:cNvCxnSpPr/>
+          <p:nvPr/>
+        </p:nvCxnSpPr>
+        <p:spPr>
+          <a:xfrm flipV="1">
+            <a:off x="4139952" y="2172128"/>
+            <a:ext cx="0" cy="3896753"/>
+          </a:xfrm>
+          <a:prstGeom prst="line">
+            <a:avLst/>
+          </a:prstGeom>
+        </p:spPr>
+        <p:style>
+          <a:lnRef idx="1">
+            <a:schemeClr val="accent1"/>
+          </a:lnRef>
+          <a:fillRef idx="0">
+            <a:schemeClr val="accent1"/>
+          </a:fillRef>
+          <a:effectRef idx="0">
+            <a:schemeClr val="accent1"/>
+          </a:effectRef>
+          <a:fontRef idx="minor">
+            <a:schemeClr val="tx1"/>
+          </a:fontRef>
+        </p:style>
+      </p:cxnSp>
+      <p:cxnSp>
+        <p:nvCxnSpPr>
+          <p:cNvPr id="84" name="직선 화살표 연결선 83"/>
+          <p:cNvCxnSpPr>
+            <a:endCxn id="75" idx="2"/>
+          </p:cNvCxnSpPr>
+          <p:nvPr/>
+        </p:nvCxnSpPr>
+        <p:spPr>
+          <a:xfrm>
+            <a:off x="4139952" y="2172128"/>
+            <a:ext cx="1015313" cy="0"/>
+          </a:xfrm>
+          <a:prstGeom prst="straightConnector1">
+            <a:avLst/>
+          </a:prstGeom>
+          <a:ln>
+            <a:tailEnd type="triangle"/>
+          </a:ln>
+        </p:spPr>
+        <p:style>
+          <a:lnRef idx="1">
+            <a:schemeClr val="accent1"/>
+          </a:lnRef>
+          <a:fillRef idx="0">
+            <a:schemeClr val="accent1"/>
+          </a:fillRef>
+          <a:effectRef idx="0">
+            <a:schemeClr val="accent1"/>
+          </a:effectRef>
+          <a:fontRef idx="minor">
+            <a:schemeClr val="tx1"/>
+          </a:fontRef>
+        </p:style>
+      </p:cxnSp>
+      <p:sp>
+        <p:nvSpPr>
+          <p:cNvPr id="87" name="타원 86"/>
+          <p:cNvSpPr/>
+          <p:nvPr/>
+        </p:nvSpPr>
+        <p:spPr>
+          <a:xfrm>
+            <a:off x="6002601" y="2957829"/>
+            <a:ext cx="720080" cy="753628"/>
+          </a:xfrm>
+          <a:prstGeom prst="ellipse">
+            <a:avLst/>
+          </a:prstGeom>
+          <a:noFill/>
+        </p:spPr>
+        <p:style>
+          <a:lnRef idx="2">
+            <a:schemeClr val="accent1">
+              <a:shade val="50000"/>
+            </a:schemeClr>
+          </a:lnRef>
+          <a:fillRef idx="1">
+            <a:schemeClr val="accent1"/>
+          </a:fillRef>
+          <a:effectRef idx="0">
+            <a:schemeClr val="accent1"/>
+          </a:effectRef>
+          <a:fontRef idx="minor">
+            <a:schemeClr val="lt1"/>
+          </a:fontRef>
+        </p:style>
+        <p:txBody>
+          <a:bodyPr rtlCol="0" anchor="ctr"/>
+          <a:lstStyle/>
+          <a:p>
+            <a:pPr algn="ctr"/>
+            <a:endParaRPr lang="ko-KR" altLang="en-US"/>
+          </a:p>
+        </p:txBody>
+      </p:sp>
+      <p:grpSp>
+        <p:nvGrpSpPr>
+          <p:cNvPr id="91" name="그룹 90"/>
+          <p:cNvGrpSpPr/>
+          <p:nvPr/>
+        </p:nvGrpSpPr>
+        <p:grpSpPr>
+          <a:xfrm>
+            <a:off x="5580112" y="2496164"/>
+            <a:ext cx="422489" cy="849981"/>
+            <a:chOff x="5580112" y="2496164"/>
+            <a:chExt cx="422489" cy="849981"/>
+          </a:xfrm>
+        </p:grpSpPr>
+        <p:cxnSp>
+          <p:nvCxnSpPr>
+            <p:cNvPr id="86" name="직선 연결선 85"/>
+            <p:cNvCxnSpPr/>
+            <p:nvPr/>
+          </p:nvCxnSpPr>
+          <p:spPr>
+            <a:xfrm>
+              <a:off x="5580112" y="2496164"/>
+              <a:ext cx="0" cy="849981"/>
+            </a:xfrm>
+            <a:prstGeom prst="line">
+              <a:avLst/>
+            </a:prstGeom>
+          </p:spPr>
+          <p:style>
+            <a:lnRef idx="1">
+              <a:schemeClr val="accent1"/>
+            </a:lnRef>
+            <a:fillRef idx="0">
+              <a:schemeClr val="accent1"/>
+            </a:fillRef>
+            <a:effectRef idx="0">
+              <a:schemeClr val="accent1"/>
+            </a:effectRef>
+            <a:fontRef idx="minor">
+              <a:schemeClr val="tx1"/>
+            </a:fontRef>
+          </p:style>
+        </p:cxnSp>
+        <p:cxnSp>
+          <p:nvCxnSpPr>
+            <p:cNvPr id="90" name="직선 화살표 연결선 89"/>
+            <p:cNvCxnSpPr>
+              <a:endCxn id="87" idx="2"/>
+            </p:cNvCxnSpPr>
+            <p:nvPr/>
+          </p:nvCxnSpPr>
+          <p:spPr>
+            <a:xfrm flipV="1">
+              <a:off x="5580112" y="3334643"/>
+              <a:ext cx="422489" cy="11502"/>
+            </a:xfrm>
+            <a:prstGeom prst="straightConnector1">
+              <a:avLst/>
+            </a:prstGeom>
+            <a:ln>
+              <a:tailEnd type="triangle"/>
+            </a:ln>
+          </p:spPr>
+          <p:style>
+            <a:lnRef idx="1">
+              <a:schemeClr val="accent1"/>
+            </a:lnRef>
+            <a:fillRef idx="0">
+              <a:schemeClr val="accent1"/>
+            </a:fillRef>
+            <a:effectRef idx="0">
+              <a:schemeClr val="accent1"/>
+            </a:effectRef>
+            <a:fontRef idx="minor">
+              <a:schemeClr val="tx1"/>
+            </a:fontRef>
+          </p:style>
+        </p:cxnSp>
+      </p:grpSp>
+      <p:grpSp>
+        <p:nvGrpSpPr>
+          <p:cNvPr id="92" name="그룹 91"/>
+          <p:cNvGrpSpPr/>
+          <p:nvPr/>
+        </p:nvGrpSpPr>
+        <p:grpSpPr>
+          <a:xfrm flipH="1">
+            <a:off x="6722682" y="2532838"/>
+            <a:ext cx="422487" cy="849981"/>
+            <a:chOff x="5580112" y="2496164"/>
+            <a:chExt cx="422489" cy="849981"/>
+          </a:xfrm>
+        </p:grpSpPr>
+        <p:cxnSp>
+          <p:nvCxnSpPr>
+            <p:cNvPr id="93" name="직선 연결선 92"/>
+            <p:cNvCxnSpPr/>
+            <p:nvPr/>
+          </p:nvCxnSpPr>
+          <p:spPr>
+            <a:xfrm>
+              <a:off x="5580112" y="2496164"/>
+              <a:ext cx="0" cy="849981"/>
+            </a:xfrm>
+            <a:prstGeom prst="line">
+              <a:avLst/>
+            </a:prstGeom>
+          </p:spPr>
+          <p:style>
+            <a:lnRef idx="1">
+              <a:schemeClr val="accent1"/>
+            </a:lnRef>
+            <a:fillRef idx="0">
+              <a:schemeClr val="accent1"/>
+            </a:fillRef>
+            <a:effectRef idx="0">
+              <a:schemeClr val="accent1"/>
+            </a:effectRef>
+            <a:fontRef idx="minor">
+              <a:schemeClr val="tx1"/>
+            </a:fontRef>
+          </p:style>
+        </p:cxnSp>
+        <p:cxnSp>
+          <p:nvCxnSpPr>
+            <p:cNvPr id="94" name="직선 화살표 연결선 93"/>
+            <p:cNvCxnSpPr/>
+            <p:nvPr/>
+          </p:nvCxnSpPr>
+          <p:spPr>
+            <a:xfrm flipV="1">
+              <a:off x="5580112" y="3334643"/>
+              <a:ext cx="422489" cy="11502"/>
+            </a:xfrm>
+            <a:prstGeom prst="straightConnector1">
+              <a:avLst/>
+            </a:prstGeom>
+            <a:ln>
+              <a:tailEnd type="triangle"/>
+            </a:ln>
+          </p:spPr>
+          <p:style>
+            <a:lnRef idx="1">
+              <a:schemeClr val="accent1"/>
+            </a:lnRef>
+            <a:fillRef idx="0">
+              <a:schemeClr val="accent1"/>
+            </a:fillRef>
+            <a:effectRef idx="0">
+              <a:schemeClr val="accent1"/>
+            </a:effectRef>
+            <a:fontRef idx="minor">
+              <a:schemeClr val="tx1"/>
+            </a:fontRef>
+          </p:style>
+        </p:cxnSp>
+      </p:grpSp>
+      <p:cxnSp>
+        <p:nvCxnSpPr>
+          <p:cNvPr id="96" name="직선 화살표 연결선 95"/>
+          <p:cNvCxnSpPr>
+            <a:stCxn id="87" idx="4"/>
+          </p:cNvCxnSpPr>
+          <p:nvPr/>
+        </p:nvCxnSpPr>
+        <p:spPr>
+          <a:xfrm>
+            <a:off x="6362641" y="3711457"/>
+            <a:ext cx="9559" cy="365615"/>
+          </a:xfrm>
+          <a:prstGeom prst="straightConnector1">
+            <a:avLst/>
+          </a:prstGeom>
+          <a:ln>
+            <a:tailEnd type="triangle"/>
+          </a:ln>
+        </p:spPr>
+        <p:style>
+          <a:lnRef idx="1">
+            <a:schemeClr val="accent1"/>
+          </a:lnRef>
+          <a:fillRef idx="0">
+            <a:schemeClr val="accent1"/>
+          </a:fillRef>
+          <a:effectRef idx="0">
+            <a:schemeClr val="accent1"/>
+          </a:effectRef>
+          <a:fontRef idx="minor">
+            <a:schemeClr val="tx1"/>
+          </a:fontRef>
+        </p:style>
+      </p:cxnSp>
+      <p:sp>
+        <p:nvSpPr>
+          <p:cNvPr id="97" name="직사각형 96"/>
+          <p:cNvSpPr/>
+          <p:nvPr/>
+        </p:nvSpPr>
+        <p:spPr>
+          <a:xfrm>
+            <a:off x="5633002" y="4077072"/>
+            <a:ext cx="1512167" cy="583209"/>
+          </a:xfrm>
+          <a:prstGeom prst="rect">
+            <a:avLst/>
+          </a:prstGeom>
+          <a:noFill/>
+        </p:spPr>
+        <p:style>
+          <a:lnRef idx="2">
+            <a:schemeClr val="accent1">
+              <a:shade val="50000"/>
+            </a:schemeClr>
+          </a:lnRef>
+          <a:fillRef idx="1">
+            <a:schemeClr val="accent1"/>
+          </a:fillRef>
+          <a:effectRef idx="0">
+            <a:schemeClr val="accent1"/>
+          </a:effectRef>
+          <a:fontRef idx="minor">
+            <a:schemeClr val="lt1"/>
+          </a:fontRef>
+        </p:style>
+        <p:txBody>
+          <a:bodyPr rtlCol="0" anchor="ctr"/>
+          <a:lstStyle/>
+          <a:p>
+            <a:pPr algn="ctr"/>
+            <a:r>
+              <a:rPr lang="ko-KR" altLang="en-US" sz="1600" dirty="0" smtClean="0">
+                <a:solidFill>
+                  <a:schemeClr val="tx1"/>
+                </a:solidFill>
+              </a:rPr>
+              <a:t>내일 강수 </a:t>
+            </a:r>
+            <a:endParaRPr lang="en-US" altLang="ko-KR" sz="1600" dirty="0" smtClean="0">
+              <a:solidFill>
+                <a:schemeClr val="tx1"/>
+              </a:solidFill>
+            </a:endParaRPr>
+          </a:p>
+          <a:p>
+            <a:pPr algn="ctr"/>
+            <a:r>
+              <a:rPr lang="ko-KR" altLang="en-US" sz="1600" dirty="0" err="1" smtClean="0">
+                <a:solidFill>
+                  <a:schemeClr val="tx1"/>
+                </a:solidFill>
+              </a:rPr>
+              <a:t>유</a:t>
+            </a:r>
+            <a:r>
+              <a:rPr lang="ko-KR" altLang="en-US" sz="1050" dirty="0" err="1" smtClean="0">
+                <a:solidFill>
+                  <a:schemeClr val="tx1"/>
+                </a:solidFill>
+              </a:rPr>
+              <a:t>●</a:t>
+            </a:r>
+            <a:r>
+              <a:rPr lang="ko-KR" altLang="en-US" sz="1600" dirty="0" err="1" smtClean="0">
+                <a:solidFill>
+                  <a:schemeClr val="tx1"/>
+                </a:solidFill>
+              </a:rPr>
+              <a:t>무</a:t>
+            </a:r>
+            <a:r>
+              <a:rPr lang="ko-KR" altLang="en-US" sz="1600" dirty="0" smtClean="0">
+                <a:solidFill>
+                  <a:schemeClr val="tx1"/>
+                </a:solidFill>
+              </a:rPr>
+              <a:t> 데이터</a:t>
+            </a:r>
+            <a:endParaRPr lang="ko-KR" altLang="en-US" sz="1600" dirty="0">
+              <a:solidFill>
+                <a:schemeClr val="tx1"/>
+              </a:solidFill>
+            </a:endParaRPr>
+          </a:p>
+        </p:txBody>
+      </p:sp>
+      <p:cxnSp>
+        <p:nvCxnSpPr>
+          <p:cNvPr id="99" name="직선 화살표 연결선 98"/>
+          <p:cNvCxnSpPr>
+            <a:stCxn id="97" idx="2"/>
+          </p:cNvCxnSpPr>
+          <p:nvPr/>
+        </p:nvCxnSpPr>
+        <p:spPr>
+          <a:xfrm flipH="1">
+            <a:off x="6389085" y="4660281"/>
+            <a:ext cx="1" cy="424903"/>
+          </a:xfrm>
+          <a:prstGeom prst="straightConnector1">
+            <a:avLst/>
+          </a:prstGeom>
+          <a:ln>
+            <a:tailEnd type="triangle"/>
+          </a:ln>
+        </p:spPr>
+        <p:style>
+          <a:lnRef idx="1">
+            <a:schemeClr val="accent1"/>
+          </a:lnRef>
+          <a:fillRef idx="0">
+            <a:schemeClr val="accent1"/>
+          </a:fillRef>
+          <a:effectRef idx="0">
+            <a:schemeClr val="accent1"/>
+          </a:effectRef>
+          <a:fontRef idx="minor">
+            <a:schemeClr val="tx1"/>
+          </a:fontRef>
+        </p:style>
+      </p:cxnSp>
+      <p:sp>
+        <p:nvSpPr>
+          <p:cNvPr id="100" name="순서도: 데이터 99"/>
+          <p:cNvSpPr/>
+          <p:nvPr/>
+        </p:nvSpPr>
+        <p:spPr>
+          <a:xfrm>
+            <a:off x="5588574" y="5104028"/>
+            <a:ext cx="1512167" cy="648072"/>
+          </a:xfrm>
+          <a:prstGeom prst="flowChartInputOutput">
+            <a:avLst/>
+          </a:prstGeom>
+          <a:noFill/>
+        </p:spPr>
+        <p:style>
+          <a:lnRef idx="2">
+            <a:schemeClr val="accent1">
+              <a:shade val="50000"/>
+            </a:schemeClr>
+          </a:lnRef>
+          <a:fillRef idx="1">
+            <a:schemeClr val="accent1"/>
+          </a:fillRef>
+          <a:effectRef idx="0">
+            <a:schemeClr val="accent1"/>
+          </a:effectRef>
+          <a:fontRef idx="minor">
+            <a:schemeClr val="lt1"/>
+          </a:fontRef>
+        </p:style>
+        <p:txBody>
+          <a:bodyPr rtlCol="0" anchor="ctr"/>
+          <a:lstStyle/>
+          <a:p>
+            <a:pPr algn="ctr"/>
+            <a:r>
+              <a:rPr lang="ko-KR" altLang="en-US" dirty="0" smtClean="0">
+                <a:solidFill>
+                  <a:schemeClr val="tx1"/>
+                </a:solidFill>
+              </a:rPr>
+              <a:t>결과값</a:t>
+            </a:r>
+            <a:endParaRPr lang="ko-KR" altLang="en-US" dirty="0">
+              <a:solidFill>
+                <a:schemeClr val="tx1"/>
+              </a:solidFill>
+            </a:endParaRPr>
+          </a:p>
+        </p:txBody>
+      </p:sp>
+      <p:sp>
+        <p:nvSpPr>
+          <p:cNvPr id="101" name="타원 100"/>
+          <p:cNvSpPr/>
+          <p:nvPr/>
+        </p:nvSpPr>
+        <p:spPr>
+          <a:xfrm>
+            <a:off x="5732589" y="6096902"/>
+            <a:ext cx="1224136" cy="360040"/>
+          </a:xfrm>
+          <a:prstGeom prst="ellipse">
+            <a:avLst/>
+          </a:prstGeom>
+          <a:noFill/>
+        </p:spPr>
+        <p:style>
+          <a:lnRef idx="2">
+            <a:schemeClr val="accent1">
+              <a:shade val="50000"/>
+            </a:schemeClr>
+          </a:lnRef>
+          <a:fillRef idx="1">
+            <a:schemeClr val="accent1"/>
+          </a:fillRef>
+          <a:effectRef idx="0">
+            <a:schemeClr val="accent1"/>
+          </a:effectRef>
+          <a:fontRef idx="minor">
+            <a:schemeClr val="lt1"/>
+          </a:fontRef>
+        </p:style>
+        <p:txBody>
+          <a:bodyPr rtlCol="0" anchor="ctr"/>
+          <a:lstStyle/>
+          <a:p>
+            <a:pPr algn="ctr"/>
+            <a:r>
+              <a:rPr lang="ko-KR" altLang="en-US" dirty="0" smtClean="0">
+                <a:solidFill>
+                  <a:schemeClr val="tx1"/>
+                </a:solidFill>
+              </a:rPr>
+              <a:t>종료</a:t>
+            </a:r>
+            <a:endParaRPr lang="ko-KR" altLang="en-US" dirty="0">
+              <a:solidFill>
+                <a:schemeClr val="tx1"/>
+              </a:solidFill>
+            </a:endParaRPr>
+          </a:p>
+        </p:txBody>
+      </p:sp>
+      <p:cxnSp>
+        <p:nvCxnSpPr>
+          <p:cNvPr id="103" name="직선 화살표 연결선 102"/>
+          <p:cNvCxnSpPr>
+            <a:stCxn id="100" idx="4"/>
+            <a:endCxn id="101" idx="0"/>
+          </p:cNvCxnSpPr>
+          <p:nvPr/>
+        </p:nvCxnSpPr>
+        <p:spPr>
+          <a:xfrm flipH="1">
+            <a:off x="6344657" y="5752100"/>
+            <a:ext cx="1" cy="344802"/>
+          </a:xfrm>
+          <a:prstGeom prst="straightConnector1">
+            <a:avLst/>
+          </a:prstGeom>
+          <a:ln>
+            <a:tailEnd type="triangle"/>
+          </a:ln>
+        </p:spPr>
+        <p:style>
+          <a:lnRef idx="1">
+            <a:schemeClr val="accent1"/>
+          </a:lnRef>
+          <a:fillRef idx="0">
+            <a:schemeClr val="accent1"/>
+          </a:fillRef>
+          <a:effectRef idx="0">
+            <a:schemeClr val="accent1"/>
+          </a:effectRef>
+          <a:fontRef idx="minor">
+            <a:schemeClr val="tx1"/>
+          </a:fontRef>
+        </p:style>
+      </p:cxnSp>
+    </p:spTree>
+    <p:extLst>
+      <p:ext uri="{BB962C8B-B14F-4D97-AF65-F5344CB8AC3E}">
+        <p14:creationId xmlns:p14="http://schemas.microsoft.com/office/powerpoint/2010/main" val="3433132411"/>
+      </p:ext>
+    </p:extLst>
+  </p:cSld>
+  <p:clrMapOvr>
+    <a:masterClrMapping/>
+  </p:clrMapOvr>
+  <p:timing>
+    <p:tnLst>
+      <p:par>
+        <p:cTn id="1" dur="indefinite" restart="never" nodeType="tmRoot"/>
+      </p:par>
+    </p:tnLst>
+  </p:timing>
+</p:sld>
+</file>
+
+<file path=ppt/slides/slide2.xml><?xml version="1.0" encoding="utf-8"?>
+<p:sld xmlns:a="http://schemas.openxmlformats.org/drawingml/2006/main" xmlns:r="http://schemas.openxmlformats.org/officeDocument/2006/relationships" xmlns:p="http://schemas.openxmlformats.org/presentationml/2006/main">
+  <p:cSld>
+    <p:spTree>
+      <p:nvGrpSpPr>
+        <p:cNvPr id="1" name=""/>
+        <p:cNvGrpSpPr/>
+        <p:nvPr/>
+      </p:nvGrpSpPr>
+      <p:grpSpPr>
+        <a:xfrm>
+          <a:off x="0" y="0"/>
+          <a:ext cx="0" cy="0"/>
+          <a:chOff x="0" y="0"/>
+          <a:chExt cx="0" cy="0"/>
+        </a:xfrm>
+      </p:grpSpPr>
       <p:pic>
         <p:nvPicPr>
           <p:cNvPr id="1026" name="Picture 2"/>
@@ -3294,7 +4878,15 @@
             <a:p>
               <a:r>
                 <a:rPr lang="en-US" altLang="ko-KR" dirty="0" smtClean="0"/>
-                <a:t>Window 10 pro 64bit</a:t>
+                <a:t>Window 10 </a:t>
+              </a:r>
+              <a:r>
+                <a:rPr lang="en-US" altLang="ko-KR" dirty="0" smtClean="0"/>
+                <a:t> </a:t>
+              </a:r>
+              <a:r>
+                <a:rPr lang="en-US" altLang="ko-KR" dirty="0" smtClean="0"/>
+                <a:t>64bit</a:t>
               </a:r>
               <a:endParaRPr lang="ko-KR" altLang="en-US" dirty="0"/>
             </a:p>
@@ -3407,11 +4999,7 @@
             <a:p>
               <a:r>
                 <a:rPr lang="ko-KR" altLang="en-US" dirty="0" smtClean="0"/>
-                <a:t>알고리즘</a:t>
-              </a:r>
-              <a:r>
-                <a:rPr lang="ko-KR" altLang="en-US" dirty="0" smtClean="0"/>
-                <a:t> </a:t>
+                <a:t>알고리즘 </a:t>
               </a:r>
               <a:r>
                 <a:rPr lang="en-US" altLang="ko-KR" dirty="0" smtClean="0"/>
@@ -3551,1610 +5139,7 @@
 </p:sld>
 </file>
 
-<file path=ppt/slides/slide2.xml><?xml version="1.0" encoding="utf-8"?>
-<p:sld xmlns:a="http://schemas.openxmlformats.org/drawingml/2006/main" xmlns:r="http://schemas.openxmlformats.org/officeDocument/2006/relationships" xmlns:p="http://schemas.openxmlformats.org/presentationml/2006/main">
-  <p:cSld>
-    <p:spTree>
-      <p:nvGrpSpPr>
-        <p:cNvPr id="1" name=""/>
-        <p:cNvGrpSpPr/>
-        <p:nvPr/>
-      </p:nvGrpSpPr>
-      <p:grpSpPr>
-        <a:xfrm>
-          <a:off x="0" y="0"/>
-          <a:ext cx="0" cy="0"/>
-          <a:chOff x="0" y="0"/>
-          <a:chExt cx="0" cy="0"/>
-        </a:xfrm>
-      </p:grpSpPr>
-      <p:sp>
-        <p:nvSpPr>
-          <p:cNvPr id="4" name="TextBox 3"/>
-          <p:cNvSpPr txBox="1"/>
-          <p:nvPr/>
-        </p:nvSpPr>
-        <p:spPr>
-          <a:xfrm>
-            <a:off x="957414" y="2572348"/>
-            <a:ext cx="1008112" cy="369332"/>
-          </a:xfrm>
-          <a:prstGeom prst="rect">
-            <a:avLst/>
-          </a:prstGeom>
-          <a:noFill/>
-        </p:spPr>
-        <p:txBody>
-          <a:bodyPr wrap="square" rtlCol="0">
-            <a:spAutoFit/>
-          </a:bodyPr>
-          <a:lstStyle/>
-          <a:p>
-            <a:r>
-              <a:rPr lang="ko-KR" altLang="en-US" dirty="0" smtClean="0"/>
-              <a:t>기상</a:t>
-            </a:r>
-            <a:r>
-              <a:rPr lang="ko-KR" altLang="en-US" dirty="0"/>
-              <a:t>청</a:t>
-            </a:r>
-          </a:p>
-        </p:txBody>
-      </p:sp>
-      <p:sp>
-        <p:nvSpPr>
-          <p:cNvPr id="12" name="TextBox 11"/>
-          <p:cNvSpPr txBox="1"/>
-          <p:nvPr/>
-        </p:nvSpPr>
-        <p:spPr>
-          <a:xfrm>
-            <a:off x="876416" y="4837802"/>
-            <a:ext cx="1427923" cy="369332"/>
-          </a:xfrm>
-          <a:prstGeom prst="rect">
-            <a:avLst/>
-          </a:prstGeom>
-          <a:noFill/>
-        </p:spPr>
-        <p:txBody>
-          <a:bodyPr wrap="square" rtlCol="0">
-            <a:spAutoFit/>
-          </a:bodyPr>
-          <a:lstStyle/>
-          <a:p>
-            <a:r>
-              <a:rPr lang="ko-KR" altLang="en-US" dirty="0" smtClean="0"/>
-              <a:t>데이터 수집 </a:t>
-            </a:r>
-            <a:endParaRPr lang="ko-KR" altLang="en-US" dirty="0"/>
-          </a:p>
-        </p:txBody>
-      </p:sp>
-      <p:sp>
-        <p:nvSpPr>
-          <p:cNvPr id="13" name="TextBox 12"/>
-          <p:cNvSpPr txBox="1"/>
-          <p:nvPr/>
-        </p:nvSpPr>
-        <p:spPr>
-          <a:xfrm>
-            <a:off x="3245507" y="4831230"/>
-            <a:ext cx="2376264" cy="369332"/>
-          </a:xfrm>
-          <a:prstGeom prst="rect">
-            <a:avLst/>
-          </a:prstGeom>
-          <a:noFill/>
-        </p:spPr>
-        <p:txBody>
-          <a:bodyPr wrap="square" rtlCol="0">
-            <a:spAutoFit/>
-          </a:bodyPr>
-          <a:lstStyle/>
-          <a:p>
-            <a:r>
-              <a:rPr lang="ko-KR" altLang="en-US" dirty="0" smtClean="0"/>
-              <a:t>데이터 삽입 가공</a:t>
-            </a:r>
-            <a:endParaRPr lang="ko-KR" altLang="en-US" dirty="0"/>
-          </a:p>
-        </p:txBody>
-      </p:sp>
-      <p:sp>
-        <p:nvSpPr>
-          <p:cNvPr id="15" name="TextBox 14"/>
-          <p:cNvSpPr txBox="1"/>
-          <p:nvPr/>
-        </p:nvSpPr>
-        <p:spPr>
-          <a:xfrm>
-            <a:off x="6608569" y="4837802"/>
-            <a:ext cx="1440160" cy="369332"/>
-          </a:xfrm>
-          <a:prstGeom prst="rect">
-            <a:avLst/>
-          </a:prstGeom>
-          <a:noFill/>
-        </p:spPr>
-        <p:txBody>
-          <a:bodyPr wrap="square" rtlCol="0">
-            <a:spAutoFit/>
-          </a:bodyPr>
-          <a:lstStyle/>
-          <a:p>
-            <a:r>
-              <a:rPr lang="ko-KR" altLang="en-US" dirty="0" smtClean="0"/>
-              <a:t>시각화</a:t>
-            </a:r>
-            <a:endParaRPr lang="ko-KR" altLang="en-US" dirty="0"/>
-          </a:p>
-        </p:txBody>
-      </p:sp>
-      <p:sp>
-        <p:nvSpPr>
-          <p:cNvPr id="16" name="오른쪽 화살표 15"/>
-          <p:cNvSpPr/>
-          <p:nvPr/>
-        </p:nvSpPr>
-        <p:spPr>
-          <a:xfrm>
-            <a:off x="2375215" y="2603282"/>
-            <a:ext cx="756625" cy="184666"/>
-          </a:xfrm>
-          <a:prstGeom prst="rightArrow">
-            <a:avLst/>
-          </a:prstGeom>
-        </p:spPr>
-        <p:style>
-          <a:lnRef idx="2">
-            <a:schemeClr val="accent1">
-              <a:shade val="50000"/>
-            </a:schemeClr>
-          </a:lnRef>
-          <a:fillRef idx="1">
-            <a:schemeClr val="accent1"/>
-          </a:fillRef>
-          <a:effectRef idx="0">
-            <a:schemeClr val="accent1"/>
-          </a:effectRef>
-          <a:fontRef idx="minor">
-            <a:schemeClr val="lt1"/>
-          </a:fontRef>
-        </p:style>
-        <p:txBody>
-          <a:bodyPr rtlCol="0" anchor="ctr"/>
-          <a:lstStyle/>
-          <a:p>
-            <a:pPr algn="ctr"/>
-            <a:endParaRPr lang="ko-KR" altLang="en-US"/>
-          </a:p>
-        </p:txBody>
-      </p:sp>
-      <p:sp>
-        <p:nvSpPr>
-          <p:cNvPr id="17" name="오른쪽 화살표 16"/>
-          <p:cNvSpPr/>
-          <p:nvPr/>
-        </p:nvSpPr>
-        <p:spPr>
-          <a:xfrm>
-            <a:off x="5129791" y="2595886"/>
-            <a:ext cx="756625" cy="184666"/>
-          </a:xfrm>
-          <a:prstGeom prst="rightArrow">
-            <a:avLst/>
-          </a:prstGeom>
-        </p:spPr>
-        <p:style>
-          <a:lnRef idx="2">
-            <a:schemeClr val="accent1">
-              <a:shade val="50000"/>
-            </a:schemeClr>
-          </a:lnRef>
-          <a:fillRef idx="1">
-            <a:schemeClr val="accent1"/>
-          </a:fillRef>
-          <a:effectRef idx="0">
-            <a:schemeClr val="accent1"/>
-          </a:effectRef>
-          <a:fontRef idx="minor">
-            <a:schemeClr val="lt1"/>
-          </a:fontRef>
-        </p:style>
-        <p:txBody>
-          <a:bodyPr rtlCol="0" anchor="ctr"/>
-          <a:lstStyle/>
-          <a:p>
-            <a:pPr algn="ctr"/>
-            <a:endParaRPr lang="ko-KR" altLang="en-US"/>
-          </a:p>
-        </p:txBody>
-      </p:sp>
-      <p:sp>
-        <p:nvSpPr>
-          <p:cNvPr id="18" name="TextBox 17"/>
-          <p:cNvSpPr txBox="1"/>
-          <p:nvPr/>
-        </p:nvSpPr>
-        <p:spPr>
-          <a:xfrm>
-            <a:off x="805541" y="692696"/>
-            <a:ext cx="1569674" cy="461665"/>
-          </a:xfrm>
-          <a:prstGeom prst="rect">
-            <a:avLst/>
-          </a:prstGeom>
-          <a:noFill/>
-        </p:spPr>
-        <p:txBody>
-          <a:bodyPr wrap="square" rtlCol="0">
-            <a:spAutoFit/>
-          </a:bodyPr>
-          <a:lstStyle/>
-          <a:p>
-            <a:r>
-              <a:rPr lang="ko-KR" altLang="en-US" sz="2400" dirty="0" smtClean="0"/>
-              <a:t>흐름도</a:t>
-            </a:r>
-            <a:endParaRPr lang="ko-KR" altLang="en-US" dirty="0"/>
-          </a:p>
-        </p:txBody>
-      </p:sp>
-      <p:sp>
-        <p:nvSpPr>
-          <p:cNvPr id="2" name="직사각형 1"/>
-          <p:cNvSpPr/>
-          <p:nvPr/>
-        </p:nvSpPr>
-        <p:spPr>
-          <a:xfrm>
-            <a:off x="-1647064" y="1903973"/>
-            <a:ext cx="4572000" cy="3139321"/>
-          </a:xfrm>
-          <a:prstGeom prst="rect">
-            <a:avLst/>
-          </a:prstGeom>
-        </p:spPr>
-        <p:txBody>
-          <a:bodyPr>
-            <a:spAutoFit/>
-          </a:bodyPr>
-          <a:lstStyle/>
-          <a:p>
-            <a:r>
-              <a:rPr lang="ko-KR" altLang="en-US"/>
-              <a:t>데이터삽입</a:t>
-            </a:r>
-            <a:endParaRPr lang="ko-KR" altLang="en-US" dirty="0"/>
-          </a:p>
-          <a:p>
-            <a:endParaRPr lang="ko-KR" altLang="en-US" dirty="0"/>
-          </a:p>
-          <a:p>
-            <a:r>
-              <a:rPr lang="ko-KR" altLang="en-US" dirty="0"/>
-              <a:t>데이터 가공</a:t>
-            </a:r>
-          </a:p>
-          <a:p>
-            <a:endParaRPr lang="ko-KR" altLang="en-US" dirty="0"/>
-          </a:p>
-          <a:p>
-            <a:r>
-              <a:rPr lang="ko-KR" altLang="en-US" dirty="0" err="1"/>
-              <a:t>랜덤포레스트</a:t>
-            </a:r>
-            <a:endParaRPr lang="ko-KR" altLang="en-US" dirty="0"/>
-          </a:p>
-          <a:p>
-            <a:endParaRPr lang="ko-KR" altLang="en-US" dirty="0"/>
-          </a:p>
-          <a:p>
-            <a:r>
-              <a:rPr lang="ko-KR" altLang="en-US" dirty="0"/>
-              <a:t>트레이닝</a:t>
-            </a:r>
-          </a:p>
-          <a:p>
-            <a:endParaRPr lang="ko-KR" altLang="en-US" dirty="0"/>
-          </a:p>
-          <a:p>
-            <a:r>
-              <a:rPr lang="ko-KR" altLang="en-US" dirty="0"/>
-              <a:t>테스트 및 검증</a:t>
-            </a:r>
-          </a:p>
-          <a:p>
-            <a:endParaRPr lang="ko-KR" altLang="en-US" dirty="0"/>
-          </a:p>
-          <a:p>
-            <a:r>
-              <a:rPr lang="ko-KR" altLang="en-US" dirty="0"/>
-              <a:t>시각화</a:t>
-            </a:r>
-          </a:p>
-        </p:txBody>
-      </p:sp>
-      <p:sp>
-        <p:nvSpPr>
-          <p:cNvPr id="19" name="TextBox 18"/>
-          <p:cNvSpPr txBox="1"/>
-          <p:nvPr/>
-        </p:nvSpPr>
-        <p:spPr>
-          <a:xfrm>
-            <a:off x="3419989" y="2731244"/>
-            <a:ext cx="1584176" cy="369332"/>
-          </a:xfrm>
-          <a:prstGeom prst="rect">
-            <a:avLst/>
-          </a:prstGeom>
-          <a:noFill/>
-        </p:spPr>
-        <p:txBody>
-          <a:bodyPr wrap="square" rtlCol="0">
-            <a:spAutoFit/>
-          </a:bodyPr>
-          <a:lstStyle/>
-          <a:p>
-            <a:r>
-              <a:rPr lang="ko-KR" altLang="en-US" dirty="0" err="1" smtClean="0"/>
-              <a:t>랜덤포레스트</a:t>
-            </a:r>
-            <a:endParaRPr lang="ko-KR" altLang="en-US" dirty="0"/>
-          </a:p>
-        </p:txBody>
-      </p:sp>
-      <p:sp>
-        <p:nvSpPr>
-          <p:cNvPr id="20" name="TextBox 19"/>
-          <p:cNvSpPr txBox="1"/>
-          <p:nvPr/>
-        </p:nvSpPr>
-        <p:spPr>
-          <a:xfrm>
-            <a:off x="4319972" y="4010565"/>
-            <a:ext cx="1008112" cy="369332"/>
-          </a:xfrm>
-          <a:prstGeom prst="rect">
-            <a:avLst/>
-          </a:prstGeom>
-          <a:noFill/>
-        </p:spPr>
-        <p:txBody>
-          <a:bodyPr wrap="square" rtlCol="0">
-            <a:spAutoFit/>
-          </a:bodyPr>
-          <a:lstStyle/>
-          <a:p>
-            <a:r>
-              <a:rPr lang="ko-KR" altLang="en-US" dirty="0" smtClean="0"/>
-              <a:t>테스트</a:t>
-            </a:r>
-            <a:endParaRPr lang="ko-KR" altLang="en-US" dirty="0"/>
-          </a:p>
-        </p:txBody>
-      </p:sp>
-      <p:sp>
-        <p:nvSpPr>
-          <p:cNvPr id="21" name="TextBox 20"/>
-          <p:cNvSpPr txBox="1"/>
-          <p:nvPr/>
-        </p:nvSpPr>
-        <p:spPr>
-          <a:xfrm>
-            <a:off x="3001404" y="4010565"/>
-            <a:ext cx="1125201" cy="369332"/>
-          </a:xfrm>
-          <a:prstGeom prst="rect">
-            <a:avLst/>
-          </a:prstGeom>
-          <a:noFill/>
-        </p:spPr>
-        <p:txBody>
-          <a:bodyPr wrap="square" rtlCol="0">
-            <a:spAutoFit/>
-          </a:bodyPr>
-          <a:lstStyle/>
-          <a:p>
-            <a:r>
-              <a:rPr lang="ko-KR" altLang="en-US" dirty="0" smtClean="0"/>
-              <a:t>트레이닝</a:t>
-            </a:r>
-            <a:endParaRPr lang="ko-KR" altLang="en-US" dirty="0"/>
-          </a:p>
-        </p:txBody>
-      </p:sp>
-      <p:sp>
-        <p:nvSpPr>
-          <p:cNvPr id="3" name="아래쪽 화살표 2"/>
-          <p:cNvSpPr/>
-          <p:nvPr/>
-        </p:nvSpPr>
-        <p:spPr>
-          <a:xfrm>
-            <a:off x="3514500" y="3217953"/>
-            <a:ext cx="215908" cy="669414"/>
-          </a:xfrm>
-          <a:prstGeom prst="downArrow">
-            <a:avLst/>
-          </a:prstGeom>
-        </p:spPr>
-        <p:style>
-          <a:lnRef idx="2">
-            <a:schemeClr val="accent1">
-              <a:shade val="50000"/>
-            </a:schemeClr>
-          </a:lnRef>
-          <a:fillRef idx="1">
-            <a:schemeClr val="accent1"/>
-          </a:fillRef>
-          <a:effectRef idx="0">
-            <a:schemeClr val="accent1"/>
-          </a:effectRef>
-          <a:fontRef idx="minor">
-            <a:schemeClr val="lt1"/>
-          </a:fontRef>
-        </p:style>
-        <p:txBody>
-          <a:bodyPr rtlCol="0" anchor="ctr"/>
-          <a:lstStyle/>
-          <a:p>
-            <a:pPr algn="ctr"/>
-            <a:endParaRPr lang="ko-KR" altLang="en-US"/>
-          </a:p>
-        </p:txBody>
-      </p:sp>
-      <p:sp>
-        <p:nvSpPr>
-          <p:cNvPr id="22" name="아래쪽 화살표 21"/>
-          <p:cNvSpPr/>
-          <p:nvPr/>
-        </p:nvSpPr>
-        <p:spPr>
-          <a:xfrm>
-            <a:off x="4658798" y="3218902"/>
-            <a:ext cx="215908" cy="669414"/>
-          </a:xfrm>
-          <a:prstGeom prst="downArrow">
-            <a:avLst/>
-          </a:prstGeom>
-        </p:spPr>
-        <p:style>
-          <a:lnRef idx="2">
-            <a:schemeClr val="accent1">
-              <a:shade val="50000"/>
-            </a:schemeClr>
-          </a:lnRef>
-          <a:fillRef idx="1">
-            <a:schemeClr val="accent1"/>
-          </a:fillRef>
-          <a:effectRef idx="0">
-            <a:schemeClr val="accent1"/>
-          </a:effectRef>
-          <a:fontRef idx="minor">
-            <a:schemeClr val="lt1"/>
-          </a:fontRef>
-        </p:style>
-        <p:txBody>
-          <a:bodyPr rtlCol="0" anchor="ctr"/>
-          <a:lstStyle/>
-          <a:p>
-            <a:pPr algn="ctr"/>
-            <a:endParaRPr lang="ko-KR" altLang="en-US"/>
-          </a:p>
-        </p:txBody>
-      </p:sp>
-      <p:sp>
-        <p:nvSpPr>
-          <p:cNvPr id="23" name="TextBox 22"/>
-          <p:cNvSpPr txBox="1"/>
-          <p:nvPr/>
-        </p:nvSpPr>
-        <p:spPr>
-          <a:xfrm>
-            <a:off x="5942342" y="2874237"/>
-            <a:ext cx="1008112" cy="646331"/>
-          </a:xfrm>
-          <a:prstGeom prst="rect">
-            <a:avLst/>
-          </a:prstGeom>
-          <a:noFill/>
-        </p:spPr>
-        <p:txBody>
-          <a:bodyPr wrap="square" rtlCol="0">
-            <a:spAutoFit/>
-          </a:bodyPr>
-          <a:lstStyle/>
-          <a:p>
-            <a:r>
-              <a:rPr lang="ko-KR" altLang="en-US" dirty="0" smtClean="0"/>
-              <a:t>테스트 데이터</a:t>
-            </a:r>
-            <a:endParaRPr lang="ko-KR" altLang="en-US" dirty="0"/>
-          </a:p>
-        </p:txBody>
-      </p:sp>
-      <p:sp>
-        <p:nvSpPr>
-          <p:cNvPr id="24" name="TextBox 23"/>
-          <p:cNvSpPr txBox="1"/>
-          <p:nvPr/>
-        </p:nvSpPr>
-        <p:spPr>
-          <a:xfrm>
-            <a:off x="6804248" y="3012736"/>
-            <a:ext cx="1008112" cy="369332"/>
-          </a:xfrm>
-          <a:prstGeom prst="rect">
-            <a:avLst/>
-          </a:prstGeom>
-          <a:noFill/>
-        </p:spPr>
-        <p:txBody>
-          <a:bodyPr wrap="square" rtlCol="0">
-            <a:spAutoFit/>
-          </a:bodyPr>
-          <a:lstStyle/>
-          <a:p>
-            <a:r>
-              <a:rPr lang="en-US" altLang="ko-KR" dirty="0" smtClean="0"/>
-              <a:t>vs</a:t>
-            </a:r>
-            <a:endParaRPr lang="ko-KR" altLang="en-US" dirty="0"/>
-          </a:p>
-        </p:txBody>
-      </p:sp>
-      <p:sp>
-        <p:nvSpPr>
-          <p:cNvPr id="25" name="TextBox 24"/>
-          <p:cNvSpPr txBox="1"/>
-          <p:nvPr/>
-        </p:nvSpPr>
-        <p:spPr>
-          <a:xfrm>
-            <a:off x="7216099" y="2877153"/>
-            <a:ext cx="1008112" cy="646331"/>
-          </a:xfrm>
-          <a:prstGeom prst="rect">
-            <a:avLst/>
-          </a:prstGeom>
-          <a:noFill/>
-        </p:spPr>
-        <p:txBody>
-          <a:bodyPr wrap="square" rtlCol="0">
-            <a:spAutoFit/>
-          </a:bodyPr>
-          <a:lstStyle/>
-          <a:p>
-            <a:r>
-              <a:rPr lang="ko-KR" altLang="en-US" dirty="0" smtClean="0"/>
-              <a:t>기상청데이터</a:t>
-            </a:r>
-            <a:endParaRPr lang="ko-KR" altLang="en-US" dirty="0"/>
-          </a:p>
-        </p:txBody>
-      </p:sp>
-      <p:pic>
-        <p:nvPicPr>
-          <p:cNvPr id="26" name="Picture 2" descr="C:\Users\Administrator\Desktop\흐름도 자료.png">
-            <a:extLst>
-              <a:ext uri="{FF2B5EF4-FFF2-40B4-BE49-F238E27FC236}">
-                <a16:creationId xmlns:a16="http://schemas.microsoft.com/office/drawing/2014/main" id="{D0CB1F18-A015-4540-A7FF-19999D31EE0F}"/>
-              </a:ext>
-            </a:extLst>
-          </p:cNvPr>
-          <p:cNvPicPr>
-            <a:picLocks noChangeAspect="1" noChangeArrowheads="1"/>
-          </p:cNvPicPr>
-          <p:nvPr/>
-        </p:nvPicPr>
-        <p:blipFill>
-          <a:blip r:embed="rId2" cstate="print">
-            <a:extLst>
-              <a:ext uri="{28A0092B-C50C-407E-A947-70E740481C1C}">
-                <a14:useLocalDpi xmlns:a14="http://schemas.microsoft.com/office/drawing/2010/main" val="0"/>
-              </a:ext>
-            </a:extLst>
-          </a:blip>
-          <a:srcRect/>
-          <a:stretch>
-            <a:fillRect/>
-          </a:stretch>
-        </p:blipFill>
-        <p:spPr bwMode="auto">
-          <a:xfrm>
-            <a:off x="1127283" y="1705685"/>
-            <a:ext cx="668375" cy="668375"/>
-          </a:xfrm>
-          <a:prstGeom prst="rect">
-            <a:avLst/>
-          </a:prstGeom>
-          <a:noFill/>
-          <a:extLst>
-            <a:ext uri="{909E8E84-426E-40DD-AFC4-6F175D3DCCD1}">
-              <a14:hiddenFill xmlns:a14="http://schemas.microsoft.com/office/drawing/2010/main">
-                <a:solidFill>
-                  <a:srgbClr val="FFFFFF"/>
-                </a:solidFill>
-              </a14:hiddenFill>
-            </a:ext>
-          </a:extLst>
-        </p:spPr>
-      </p:pic>
-      <p:sp>
-        <p:nvSpPr>
-          <p:cNvPr id="6" name="직사각형 5"/>
-          <p:cNvSpPr/>
-          <p:nvPr/>
-        </p:nvSpPr>
-        <p:spPr>
-          <a:xfrm>
-            <a:off x="419892" y="2986167"/>
-            <a:ext cx="2157426" cy="769441"/>
-          </a:xfrm>
-          <a:prstGeom prst="rect">
-            <a:avLst/>
-          </a:prstGeom>
-        </p:spPr>
-        <p:txBody>
-          <a:bodyPr wrap="square">
-            <a:spAutoFit/>
-          </a:bodyPr>
-          <a:lstStyle/>
-          <a:p>
-            <a:pPr algn="ctr"/>
-            <a:r>
-              <a:rPr lang="en-US" altLang="ko-KR" sz="1400" dirty="0" smtClean="0">
-                <a:hlinkClick r:id="rId3"/>
-              </a:rPr>
-              <a:t>(https</a:t>
-            </a:r>
-            <a:r>
-              <a:rPr lang="en-US" altLang="ko-KR" sz="1400" dirty="0">
-                <a:hlinkClick r:id="rId3"/>
-              </a:rPr>
-              <a:t>://data.kma.go.kr/cmmn/main.do</a:t>
-            </a:r>
-            <a:r>
-              <a:rPr lang="en-US" altLang="ko-KR" sz="1400" b="1" dirty="0"/>
-              <a:t>)</a:t>
-            </a:r>
-          </a:p>
-          <a:p>
-            <a:pPr algn="ctr"/>
-            <a:r>
-              <a:rPr lang="ko-KR" altLang="en-US" sz="1600" b="1" dirty="0" smtClean="0"/>
-              <a:t>기후 데이터</a:t>
-            </a:r>
-            <a:endParaRPr lang="en-US" altLang="ko-KR" sz="1600" b="1" dirty="0"/>
-          </a:p>
-        </p:txBody>
-      </p:sp>
-      <p:pic>
-        <p:nvPicPr>
-          <p:cNvPr id="29" name="Picture 2"/>
-          <p:cNvPicPr>
-            <a:picLocks noChangeAspect="1" noChangeArrowheads="1"/>
-          </p:cNvPicPr>
-          <p:nvPr/>
-        </p:nvPicPr>
-        <p:blipFill>
-          <a:blip r:embed="rId4" cstate="print">
-            <a:extLst>
-              <a:ext uri="{28A0092B-C50C-407E-A947-70E740481C1C}">
-                <a14:useLocalDpi xmlns:a14="http://schemas.microsoft.com/office/drawing/2010/main" val="0"/>
-              </a:ext>
-            </a:extLst>
-          </a:blip>
-          <a:srcRect/>
-          <a:stretch>
-            <a:fillRect/>
-          </a:stretch>
-        </p:blipFill>
-        <p:spPr bwMode="auto">
-          <a:xfrm>
-            <a:off x="3440835" y="1614890"/>
-            <a:ext cx="1441639" cy="1111241"/>
-          </a:xfrm>
-          <a:prstGeom prst="rect">
-            <a:avLst/>
-          </a:prstGeom>
-          <a:noFill/>
-          <a:ln>
-            <a:noFill/>
-          </a:ln>
-          <a:extLst>
-            <a:ext uri="{909E8E84-426E-40DD-AFC4-6F175D3DCCD1}">
-              <a14:hiddenFill xmlns:a14="http://schemas.microsoft.com/office/drawing/2010/main">
-                <a:solidFill>
-                  <a:schemeClr val="accent1"/>
-                </a:solidFill>
-              </a14:hiddenFill>
-            </a:ext>
-            <a:ext uri="{91240B29-F687-4F45-9708-019B960494DF}">
-              <a14:hiddenLine xmlns:a14="http://schemas.microsoft.com/office/drawing/2010/main" w="9525">
-                <a:solidFill>
-                  <a:schemeClr val="tx1"/>
-                </a:solidFill>
-                <a:miter lim="800000"/>
-                <a:headEnd/>
-                <a:tailEnd/>
-              </a14:hiddenLine>
-            </a:ext>
-          </a:extLst>
-        </p:spPr>
-      </p:pic>
-      <p:pic>
-        <p:nvPicPr>
-          <p:cNvPr id="30" name="Picture 2"/>
-          <p:cNvPicPr>
-            <a:picLocks noChangeAspect="1" noChangeArrowheads="1"/>
-          </p:cNvPicPr>
-          <p:nvPr/>
-        </p:nvPicPr>
-        <p:blipFill>
-          <a:blip r:embed="rId4" cstate="print">
-            <a:extLst>
-              <a:ext uri="{28A0092B-C50C-407E-A947-70E740481C1C}">
-                <a14:useLocalDpi xmlns:a14="http://schemas.microsoft.com/office/drawing/2010/main" val="0"/>
-              </a:ext>
-            </a:extLst>
-          </a:blip>
-          <a:srcRect/>
-          <a:stretch>
-            <a:fillRect/>
-          </a:stretch>
-        </p:blipFill>
-        <p:spPr bwMode="auto">
-          <a:xfrm>
-            <a:off x="6446398" y="1584990"/>
-            <a:ext cx="1365962" cy="1141141"/>
-          </a:xfrm>
-          <a:prstGeom prst="rect">
-            <a:avLst/>
-          </a:prstGeom>
-          <a:noFill/>
-          <a:ln>
-            <a:noFill/>
-          </a:ln>
-          <a:extLst>
-            <a:ext uri="{909E8E84-426E-40DD-AFC4-6F175D3DCCD1}">
-              <a14:hiddenFill xmlns:a14="http://schemas.microsoft.com/office/drawing/2010/main">
-                <a:solidFill>
-                  <a:schemeClr val="accent1"/>
-                </a:solidFill>
-              </a14:hiddenFill>
-            </a:ext>
-            <a:ext uri="{91240B29-F687-4F45-9708-019B960494DF}">
-              <a14:hiddenLine xmlns:a14="http://schemas.microsoft.com/office/drawing/2010/main" w="9525">
-                <a:solidFill>
-                  <a:schemeClr val="tx1"/>
-                </a:solidFill>
-                <a:miter lim="800000"/>
-                <a:headEnd/>
-                <a:tailEnd/>
-              </a14:hiddenLine>
-            </a:ext>
-          </a:extLst>
-        </p:spPr>
-      </p:pic>
-    </p:spTree>
-    <p:extLst>
-      <p:ext uri="{BB962C8B-B14F-4D97-AF65-F5344CB8AC3E}">
-        <p14:creationId xmlns:p14="http://schemas.microsoft.com/office/powerpoint/2010/main" val="3797226022"/>
-      </p:ext>
-    </p:extLst>
-  </p:cSld>
-  <p:clrMapOvr>
-    <a:masterClrMapping/>
-  </p:clrMapOvr>
-  <p:timing>
-    <p:tnLst>
-      <p:par>
-        <p:cTn id="1" dur="indefinite" restart="never" nodeType="tmRoot"/>
-      </p:par>
-    </p:tnLst>
-  </p:timing>
-</p:sld>
-</file>
-
 <file path=ppt/slides/slide3.xml><?xml version="1.0" encoding="utf-8"?>
-<p:sld xmlns:a="http://schemas.openxmlformats.org/drawingml/2006/main" xmlns:r="http://schemas.openxmlformats.org/officeDocument/2006/relationships" xmlns:p="http://schemas.openxmlformats.org/presentationml/2006/main">
-  <p:cSld>
-    <p:spTree>
-      <p:nvGrpSpPr>
-        <p:cNvPr id="1" name=""/>
-        <p:cNvGrpSpPr/>
-        <p:nvPr/>
-      </p:nvGrpSpPr>
-      <p:grpSpPr>
-        <a:xfrm>
-          <a:off x="0" y="0"/>
-          <a:ext cx="0" cy="0"/>
-          <a:chOff x="0" y="0"/>
-          <a:chExt cx="0" cy="0"/>
-        </a:xfrm>
-      </p:grpSpPr>
-      <p:sp>
-        <p:nvSpPr>
-          <p:cNvPr id="4" name="TextBox 3"/>
-          <p:cNvSpPr txBox="1"/>
-          <p:nvPr/>
-        </p:nvSpPr>
-        <p:spPr>
-          <a:xfrm>
-            <a:off x="713945" y="485311"/>
-            <a:ext cx="2448272" cy="461665"/>
-          </a:xfrm>
-          <a:prstGeom prst="rect">
-            <a:avLst/>
-          </a:prstGeom>
-          <a:noFill/>
-        </p:spPr>
-        <p:txBody>
-          <a:bodyPr wrap="square" rtlCol="0">
-            <a:spAutoFit/>
-          </a:bodyPr>
-          <a:lstStyle/>
-          <a:p>
-            <a:r>
-              <a:rPr lang="ko-KR" altLang="en-US" sz="2400" dirty="0" smtClean="0"/>
-              <a:t>흐름도</a:t>
-            </a:r>
-            <a:endParaRPr lang="ko-KR" altLang="en-US" sz="2400" dirty="0"/>
-          </a:p>
-        </p:txBody>
-      </p:sp>
-      <p:grpSp>
-        <p:nvGrpSpPr>
-          <p:cNvPr id="18" name="그룹 17"/>
-          <p:cNvGrpSpPr/>
-          <p:nvPr/>
-        </p:nvGrpSpPr>
-        <p:grpSpPr>
-          <a:xfrm>
-            <a:off x="395536" y="1124744"/>
-            <a:ext cx="4032448" cy="5328592"/>
-            <a:chOff x="395536" y="990020"/>
-            <a:chExt cx="4032448" cy="4167172"/>
-          </a:xfrm>
-        </p:grpSpPr>
-        <p:pic>
-          <p:nvPicPr>
-            <p:cNvPr id="5" name="Picture 2" descr="C:\Users\Administrator\Desktop\흐름도 자료.png"/>
-            <p:cNvPicPr>
-              <a:picLocks noChangeAspect="1" noChangeArrowheads="1"/>
-            </p:cNvPicPr>
-            <p:nvPr/>
-          </p:nvPicPr>
-          <p:blipFill rotWithShape="1">
-            <a:blip r:embed="rId2"/>
-            <a:srcRect/>
-            <a:stretch>
-              <a:fillRect/>
-            </a:stretch>
-          </p:blipFill>
-          <p:spPr>
-            <a:xfrm>
-              <a:off x="683568" y="1556792"/>
-              <a:ext cx="889389" cy="889389"/>
-            </a:xfrm>
-            <a:prstGeom prst="rect">
-              <a:avLst/>
-            </a:prstGeom>
-            <a:noFill/>
-          </p:spPr>
-        </p:pic>
-        <p:sp>
-          <p:nvSpPr>
-            <p:cNvPr id="8" name="포인트가 8개인 별 7"/>
-            <p:cNvSpPr/>
-            <p:nvPr/>
-          </p:nvSpPr>
-          <p:spPr>
-            <a:xfrm>
-              <a:off x="1619672" y="1340768"/>
-              <a:ext cx="432048" cy="432048"/>
-            </a:xfrm>
-            <a:prstGeom prst="star8">
-              <a:avLst/>
-            </a:prstGeom>
-          </p:spPr>
-          <p:style>
-            <a:lnRef idx="2">
-              <a:schemeClr val="accent1">
-                <a:shade val="50000"/>
-              </a:schemeClr>
-            </a:lnRef>
-            <a:fillRef idx="1">
-              <a:schemeClr val="accent1"/>
-            </a:fillRef>
-            <a:effectRef idx="0">
-              <a:schemeClr val="accent1"/>
-            </a:effectRef>
-            <a:fontRef idx="minor">
-              <a:schemeClr val="lt1"/>
-            </a:fontRef>
-          </p:style>
-          <p:txBody>
-            <a:bodyPr rtlCol="0" anchor="ctr"/>
-            <a:lstStyle/>
-            <a:p>
-              <a:pPr algn="ctr"/>
-              <a:r>
-                <a:rPr lang="en-US" altLang="ko-KR" dirty="0" smtClean="0"/>
-                <a:t>1</a:t>
-              </a:r>
-              <a:endParaRPr lang="ko-KR" altLang="en-US" dirty="0"/>
-            </a:p>
-          </p:txBody>
-        </p:sp>
-        <p:sp>
-          <p:nvSpPr>
-            <p:cNvPr id="9" name="포인트가 8개인 별 8"/>
-            <p:cNvSpPr/>
-            <p:nvPr/>
-          </p:nvSpPr>
-          <p:spPr>
-            <a:xfrm>
-              <a:off x="3707904" y="1340768"/>
-              <a:ext cx="432048" cy="432048"/>
-            </a:xfrm>
-            <a:prstGeom prst="star8">
-              <a:avLst/>
-            </a:prstGeom>
-          </p:spPr>
-          <p:style>
-            <a:lnRef idx="2">
-              <a:schemeClr val="accent1">
-                <a:shade val="50000"/>
-              </a:schemeClr>
-            </a:lnRef>
-            <a:fillRef idx="1">
-              <a:schemeClr val="accent1"/>
-            </a:fillRef>
-            <a:effectRef idx="0">
-              <a:schemeClr val="accent1"/>
-            </a:effectRef>
-            <a:fontRef idx="minor">
-              <a:schemeClr val="lt1"/>
-            </a:fontRef>
-          </p:style>
-          <p:txBody>
-            <a:bodyPr rtlCol="0" anchor="ctr"/>
-            <a:lstStyle/>
-            <a:p>
-              <a:pPr algn="ctr"/>
-              <a:r>
-                <a:rPr lang="en-US" altLang="ko-KR" dirty="0"/>
-                <a:t>2</a:t>
-              </a:r>
-              <a:endParaRPr lang="ko-KR" altLang="en-US" dirty="0"/>
-            </a:p>
-          </p:txBody>
-        </p:sp>
-        <p:sp>
-          <p:nvSpPr>
-            <p:cNvPr id="10" name="포인트가 8개인 별 9"/>
-            <p:cNvSpPr/>
-            <p:nvPr/>
-          </p:nvSpPr>
-          <p:spPr>
-            <a:xfrm>
-              <a:off x="3779912" y="3449755"/>
-              <a:ext cx="432048" cy="432048"/>
-            </a:xfrm>
-            <a:prstGeom prst="star8">
-              <a:avLst/>
-            </a:prstGeom>
-          </p:spPr>
-          <p:style>
-            <a:lnRef idx="2">
-              <a:schemeClr val="accent1">
-                <a:shade val="50000"/>
-              </a:schemeClr>
-            </a:lnRef>
-            <a:fillRef idx="1">
-              <a:schemeClr val="accent1"/>
-            </a:fillRef>
-            <a:effectRef idx="0">
-              <a:schemeClr val="accent1"/>
-            </a:effectRef>
-            <a:fontRef idx="minor">
-              <a:schemeClr val="lt1"/>
-            </a:fontRef>
-          </p:style>
-          <p:txBody>
-            <a:bodyPr rtlCol="0" anchor="ctr"/>
-            <a:lstStyle/>
-            <a:p>
-              <a:pPr algn="ctr"/>
-              <a:r>
-                <a:rPr lang="en-US" altLang="ko-KR" dirty="0" smtClean="0"/>
-                <a:t>3</a:t>
-              </a:r>
-              <a:endParaRPr lang="ko-KR" altLang="en-US" dirty="0"/>
-            </a:p>
-          </p:txBody>
-        </p:sp>
-        <p:sp>
-          <p:nvSpPr>
-            <p:cNvPr id="11" name="포인트가 8개인 별 10"/>
-            <p:cNvSpPr/>
-            <p:nvPr/>
-          </p:nvSpPr>
-          <p:spPr>
-            <a:xfrm>
-              <a:off x="1740330" y="3449755"/>
-              <a:ext cx="432048" cy="432048"/>
-            </a:xfrm>
-            <a:prstGeom prst="star8">
-              <a:avLst/>
-            </a:prstGeom>
-          </p:spPr>
-          <p:style>
-            <a:lnRef idx="2">
-              <a:schemeClr val="accent1">
-                <a:shade val="50000"/>
-              </a:schemeClr>
-            </a:lnRef>
-            <a:fillRef idx="1">
-              <a:schemeClr val="accent1"/>
-            </a:fillRef>
-            <a:effectRef idx="0">
-              <a:schemeClr val="accent1"/>
-            </a:effectRef>
-            <a:fontRef idx="minor">
-              <a:schemeClr val="lt1"/>
-            </a:fontRef>
-          </p:style>
-          <p:txBody>
-            <a:bodyPr rtlCol="0" anchor="ctr"/>
-            <a:lstStyle/>
-            <a:p>
-              <a:pPr algn="ctr"/>
-              <a:r>
-                <a:rPr lang="en-US" altLang="ko-KR" dirty="0" smtClean="0"/>
-                <a:t>4</a:t>
-              </a:r>
-              <a:endParaRPr lang="ko-KR" altLang="en-US" dirty="0"/>
-            </a:p>
-          </p:txBody>
-        </p:sp>
-        <p:sp>
-          <p:nvSpPr>
-            <p:cNvPr id="12" name="오른쪽 화살표 11"/>
-            <p:cNvSpPr/>
-            <p:nvPr/>
-          </p:nvSpPr>
-          <p:spPr>
-            <a:xfrm>
-              <a:off x="1722058" y="1909153"/>
-              <a:ext cx="756625" cy="184666"/>
-            </a:xfrm>
-            <a:prstGeom prst="rightArrow">
-              <a:avLst/>
-            </a:prstGeom>
-          </p:spPr>
-          <p:style>
-            <a:lnRef idx="2">
-              <a:schemeClr val="accent1">
-                <a:shade val="50000"/>
-              </a:schemeClr>
-            </a:lnRef>
-            <a:fillRef idx="1">
-              <a:schemeClr val="accent1"/>
-            </a:fillRef>
-            <a:effectRef idx="0">
-              <a:schemeClr val="accent1"/>
-            </a:effectRef>
-            <a:fontRef idx="minor">
-              <a:schemeClr val="lt1"/>
-            </a:fontRef>
-          </p:style>
-          <p:txBody>
-            <a:bodyPr rtlCol="0" anchor="ctr"/>
-            <a:lstStyle/>
-            <a:p>
-              <a:pPr algn="ctr"/>
-              <a:endParaRPr lang="ko-KR" altLang="en-US">
-                <a:solidFill>
-                  <a:srgbClr val="FFFF00"/>
-                </a:solidFill>
-              </a:endParaRPr>
-            </a:p>
-          </p:txBody>
-        </p:sp>
-        <p:sp>
-          <p:nvSpPr>
-            <p:cNvPr id="13" name="아래쪽 화살표 12"/>
-            <p:cNvSpPr/>
-            <p:nvPr/>
-          </p:nvSpPr>
-          <p:spPr>
-            <a:xfrm>
-              <a:off x="3059948" y="2705310"/>
-              <a:ext cx="215908" cy="669414"/>
-            </a:xfrm>
-            <a:prstGeom prst="downArrow">
-              <a:avLst/>
-            </a:prstGeom>
-          </p:spPr>
-          <p:style>
-            <a:lnRef idx="2">
-              <a:schemeClr val="accent1">
-                <a:shade val="50000"/>
-              </a:schemeClr>
-            </a:lnRef>
-            <a:fillRef idx="1">
-              <a:schemeClr val="accent1"/>
-            </a:fillRef>
-            <a:effectRef idx="0">
-              <a:schemeClr val="accent1"/>
-            </a:effectRef>
-            <a:fontRef idx="minor">
-              <a:schemeClr val="lt1"/>
-            </a:fontRef>
-          </p:style>
-          <p:txBody>
-            <a:bodyPr rtlCol="0" anchor="ctr"/>
-            <a:lstStyle/>
-            <a:p>
-              <a:pPr algn="ctr"/>
-              <a:endParaRPr lang="ko-KR" altLang="en-US"/>
-            </a:p>
-          </p:txBody>
-        </p:sp>
-        <p:sp>
-          <p:nvSpPr>
-            <p:cNvPr id="16" name="오른쪽 화살표 15"/>
-            <p:cNvSpPr/>
-            <p:nvPr/>
-          </p:nvSpPr>
-          <p:spPr>
-            <a:xfrm rot="10800000">
-              <a:off x="1722058" y="3957768"/>
-              <a:ext cx="756625" cy="184666"/>
-            </a:xfrm>
-            <a:prstGeom prst="rightArrow">
-              <a:avLst/>
-            </a:prstGeom>
-          </p:spPr>
-          <p:style>
-            <a:lnRef idx="2">
-              <a:schemeClr val="accent1">
-                <a:shade val="50000"/>
-              </a:schemeClr>
-            </a:lnRef>
-            <a:fillRef idx="1">
-              <a:schemeClr val="accent1"/>
-            </a:fillRef>
-            <a:effectRef idx="0">
-              <a:schemeClr val="accent1"/>
-            </a:effectRef>
-            <a:fontRef idx="minor">
-              <a:schemeClr val="lt1"/>
-            </a:fontRef>
-          </p:style>
-          <p:txBody>
-            <a:bodyPr rtlCol="0" anchor="ctr"/>
-            <a:lstStyle/>
-            <a:p>
-              <a:pPr algn="ctr"/>
-              <a:endParaRPr lang="ko-KR" altLang="en-US"/>
-            </a:p>
-          </p:txBody>
-        </p:sp>
-        <p:sp>
-          <p:nvSpPr>
-            <p:cNvPr id="17" name="모서리가 둥근 직사각형 16"/>
-            <p:cNvSpPr/>
-            <p:nvPr/>
-          </p:nvSpPr>
-          <p:spPr>
-            <a:xfrm>
-              <a:off x="395536" y="990020"/>
-              <a:ext cx="4032448" cy="4167172"/>
-            </a:xfrm>
-            <a:prstGeom prst="roundRect">
-              <a:avLst/>
-            </a:prstGeom>
-            <a:noFill/>
-            <a:ln w="76200">
-              <a:solidFill>
-                <a:srgbClr val="C00000"/>
-              </a:solidFill>
-            </a:ln>
-          </p:spPr>
-          <p:style>
-            <a:lnRef idx="2">
-              <a:schemeClr val="accent1">
-                <a:shade val="50000"/>
-              </a:schemeClr>
-            </a:lnRef>
-            <a:fillRef idx="1">
-              <a:schemeClr val="accent1"/>
-            </a:fillRef>
-            <a:effectRef idx="0">
-              <a:schemeClr val="accent1"/>
-            </a:effectRef>
-            <a:fontRef idx="minor">
-              <a:schemeClr val="lt1"/>
-            </a:fontRef>
-          </p:style>
-          <p:txBody>
-            <a:bodyPr rtlCol="0" anchor="ctr"/>
-            <a:lstStyle/>
-            <a:p>
-              <a:pPr algn="ctr"/>
-              <a:endParaRPr lang="ko-KR" altLang="en-US"/>
-            </a:p>
-          </p:txBody>
-        </p:sp>
-      </p:grpSp>
-      <p:grpSp>
-        <p:nvGrpSpPr>
-          <p:cNvPr id="21" name="그룹 20"/>
-          <p:cNvGrpSpPr/>
-          <p:nvPr/>
-        </p:nvGrpSpPr>
-        <p:grpSpPr>
-          <a:xfrm>
-            <a:off x="4693684" y="1124744"/>
-            <a:ext cx="4179667" cy="5328592"/>
-            <a:chOff x="4856828" y="1124744"/>
-            <a:chExt cx="4179667" cy="5328592"/>
-          </a:xfrm>
-        </p:grpSpPr>
-        <p:sp>
-          <p:nvSpPr>
-            <p:cNvPr id="19" name="모서리가 둥근 직사각형 18"/>
-            <p:cNvSpPr/>
-            <p:nvPr/>
-          </p:nvSpPr>
-          <p:spPr>
-            <a:xfrm>
-              <a:off x="4856828" y="1124744"/>
-              <a:ext cx="4179667" cy="5328592"/>
-            </a:xfrm>
-            <a:prstGeom prst="roundRect">
-              <a:avLst/>
-            </a:prstGeom>
-            <a:noFill/>
-            <a:ln w="76200">
-              <a:solidFill>
-                <a:srgbClr val="C00000"/>
-              </a:solidFill>
-            </a:ln>
-          </p:spPr>
-          <p:style>
-            <a:lnRef idx="2">
-              <a:schemeClr val="accent1">
-                <a:shade val="50000"/>
-              </a:schemeClr>
-            </a:lnRef>
-            <a:fillRef idx="1">
-              <a:schemeClr val="accent1"/>
-            </a:fillRef>
-            <a:effectRef idx="0">
-              <a:schemeClr val="accent1"/>
-            </a:effectRef>
-            <a:fontRef idx="minor">
-              <a:schemeClr val="lt1"/>
-            </a:fontRef>
-          </p:style>
-          <p:txBody>
-            <a:bodyPr rtlCol="0" anchor="ctr"/>
-            <a:lstStyle/>
-            <a:p>
-              <a:pPr algn="ctr"/>
-              <a:endParaRPr lang="ko-KR" altLang="en-US"/>
-            </a:p>
-          </p:txBody>
-        </p:sp>
-        <p:sp>
-          <p:nvSpPr>
-            <p:cNvPr id="20" name="TextBox 19"/>
-            <p:cNvSpPr txBox="1"/>
-            <p:nvPr/>
-          </p:nvSpPr>
-          <p:spPr>
-            <a:xfrm>
-              <a:off x="5148064" y="1484784"/>
-              <a:ext cx="3600400" cy="2585323"/>
-            </a:xfrm>
-            <a:prstGeom prst="rect">
-              <a:avLst/>
-            </a:prstGeom>
-            <a:noFill/>
-          </p:spPr>
-          <p:txBody>
-            <a:bodyPr wrap="square" rtlCol="0">
-              <a:spAutoFit/>
-            </a:bodyPr>
-            <a:lstStyle/>
-            <a:p>
-              <a:pPr marL="342900" indent="-342900">
-                <a:buAutoNum type="arabicPeriod"/>
-              </a:pPr>
-              <a:r>
-                <a:rPr lang="ko-KR" altLang="en-US" dirty="0" smtClean="0"/>
-                <a:t>기상청에서 </a:t>
-              </a:r>
-              <a:r>
-                <a:rPr lang="ko-KR" altLang="en-US" dirty="0" err="1" smtClean="0"/>
-                <a:t>기후데이터</a:t>
-              </a:r>
-              <a:r>
-                <a:rPr lang="ko-KR" altLang="en-US" dirty="0" smtClean="0"/>
-                <a:t> 수집</a:t>
-              </a:r>
-              <a:endParaRPr lang="en-US" altLang="ko-KR" dirty="0" smtClean="0"/>
-            </a:p>
-            <a:p>
-              <a:pPr marL="342900" indent="-342900">
-                <a:buAutoNum type="arabicPeriod"/>
-              </a:pPr>
-              <a:endParaRPr lang="en-US" altLang="ko-KR" dirty="0"/>
-            </a:p>
-            <a:p>
-              <a:pPr marL="342900" indent="-342900">
-                <a:buAutoNum type="arabicPeriod"/>
-              </a:pPr>
-              <a:r>
-                <a:rPr lang="ko-KR" altLang="en-US" dirty="0" err="1" smtClean="0"/>
-                <a:t>기후데이터</a:t>
-              </a:r>
-              <a:r>
-                <a:rPr lang="ko-KR" altLang="en-US" dirty="0" smtClean="0"/>
-                <a:t> 전처리</a:t>
-              </a:r>
-              <a:endParaRPr lang="en-US" altLang="ko-KR" dirty="0" smtClean="0"/>
-            </a:p>
-            <a:p>
-              <a:pPr marL="342900" indent="-342900">
-                <a:buAutoNum type="arabicPeriod"/>
-              </a:pPr>
-              <a:endParaRPr lang="en-US" altLang="ko-KR" dirty="0"/>
-            </a:p>
-            <a:p>
-              <a:pPr marL="342900" indent="-342900">
-                <a:buAutoNum type="arabicPeriod"/>
-              </a:pPr>
-              <a:r>
-                <a:rPr lang="ko-KR" altLang="en-US" dirty="0" err="1" smtClean="0"/>
-                <a:t>랜덤포레스트</a:t>
-              </a:r>
-              <a:r>
-                <a:rPr lang="ko-KR" altLang="en-US" dirty="0" smtClean="0"/>
-                <a:t> 알고리즘 사용</a:t>
-              </a:r>
-              <a:endParaRPr lang="en-US" altLang="ko-KR" dirty="0" smtClean="0"/>
-            </a:p>
-            <a:p>
-              <a:r>
-                <a:rPr lang="en-US" altLang="ko-KR" dirty="0"/>
-                <a:t> </a:t>
-              </a:r>
-              <a:r>
-                <a:rPr lang="en-US" altLang="ko-KR" dirty="0" smtClean="0"/>
-                <a:t>   </a:t>
-              </a:r>
-              <a:r>
-                <a:rPr lang="ko-KR" altLang="en-US" dirty="0" smtClean="0"/>
-                <a:t>데이터 트레이닝 및 테스트</a:t>
-              </a:r>
-              <a:endParaRPr lang="en-US" altLang="ko-KR" dirty="0" smtClean="0"/>
-            </a:p>
-            <a:p>
-              <a:endParaRPr lang="en-US" altLang="ko-KR" dirty="0"/>
-            </a:p>
-            <a:p>
-              <a:pPr marL="342900" indent="-342900">
-                <a:buAutoNum type="arabicPeriod" startAt="4"/>
-              </a:pPr>
-              <a:r>
-                <a:rPr lang="ko-KR" altLang="en-US" dirty="0" smtClean="0"/>
-                <a:t>최적의 적중률 트리 추출 및</a:t>
-              </a:r>
-              <a:endParaRPr lang="en-US" altLang="ko-KR" dirty="0" smtClean="0"/>
-            </a:p>
-            <a:p>
-              <a:r>
-                <a:rPr lang="en-US" altLang="ko-KR" dirty="0"/>
-                <a:t> </a:t>
-              </a:r>
-              <a:r>
-                <a:rPr lang="en-US" altLang="ko-KR" dirty="0" smtClean="0"/>
-                <a:t>   </a:t>
-              </a:r>
-              <a:r>
-                <a:rPr lang="ko-KR" altLang="en-US" dirty="0" smtClean="0"/>
-                <a:t>기상청 데이터와 비교 </a:t>
-              </a:r>
-              <a:endParaRPr lang="ko-KR" altLang="en-US" dirty="0"/>
-            </a:p>
-          </p:txBody>
-        </p:sp>
-      </p:grpSp>
-      <p:pic>
-        <p:nvPicPr>
-          <p:cNvPr id="24" name="Picture 2"/>
-          <p:cNvPicPr>
-            <a:picLocks noChangeAspect="1" noChangeArrowheads="1"/>
-          </p:cNvPicPr>
-          <p:nvPr/>
-        </p:nvPicPr>
-        <p:blipFill>
-          <a:blip r:embed="rId3" cstate="print">
-            <a:extLst>
-              <a:ext uri="{28A0092B-C50C-407E-A947-70E740481C1C}">
-                <a14:useLocalDpi xmlns:a14="http://schemas.microsoft.com/office/drawing/2010/main" val="0"/>
-              </a:ext>
-            </a:extLst>
-          </a:blip>
-          <a:srcRect/>
-          <a:stretch>
-            <a:fillRect/>
-          </a:stretch>
-        </p:blipFill>
-        <p:spPr bwMode="auto">
-          <a:xfrm>
-            <a:off x="2586740" y="1846091"/>
-            <a:ext cx="1121164" cy="1294237"/>
-          </a:xfrm>
-          <a:prstGeom prst="rect">
-            <a:avLst/>
-          </a:prstGeom>
-          <a:noFill/>
-          <a:ln>
-            <a:noFill/>
-          </a:ln>
-          <a:extLst>
-            <a:ext uri="{909E8E84-426E-40DD-AFC4-6F175D3DCCD1}">
-              <a14:hiddenFill xmlns:a14="http://schemas.microsoft.com/office/drawing/2010/main">
-                <a:solidFill>
-                  <a:schemeClr val="accent1"/>
-                </a:solidFill>
-              </a14:hiddenFill>
-            </a:ext>
-            <a:ext uri="{91240B29-F687-4F45-9708-019B960494DF}">
-              <a14:hiddenLine xmlns:a14="http://schemas.microsoft.com/office/drawing/2010/main" w="9525">
-                <a:solidFill>
-                  <a:schemeClr val="tx1"/>
-                </a:solidFill>
-                <a:miter lim="800000"/>
-                <a:headEnd/>
-                <a:tailEnd/>
-              </a14:hiddenLine>
-            </a:ext>
-          </a:extLst>
-        </p:spPr>
-      </p:pic>
-      <p:pic>
-        <p:nvPicPr>
-          <p:cNvPr id="25" name="Picture 2"/>
-          <p:cNvPicPr>
-            <a:picLocks noChangeAspect="1" noChangeArrowheads="1"/>
-          </p:cNvPicPr>
-          <p:nvPr/>
-        </p:nvPicPr>
-        <p:blipFill>
-          <a:blip r:embed="rId3" cstate="print">
-            <a:extLst>
-              <a:ext uri="{28A0092B-C50C-407E-A947-70E740481C1C}">
-                <a14:useLocalDpi xmlns:a14="http://schemas.microsoft.com/office/drawing/2010/main" val="0"/>
-              </a:ext>
-            </a:extLst>
-          </a:blip>
-          <a:srcRect/>
-          <a:stretch>
-            <a:fillRect/>
-          </a:stretch>
-        </p:blipFill>
-        <p:spPr bwMode="auto">
-          <a:xfrm>
-            <a:off x="2608771" y="4351849"/>
-            <a:ext cx="1121164" cy="1294237"/>
-          </a:xfrm>
-          <a:prstGeom prst="rect">
-            <a:avLst/>
-          </a:prstGeom>
-          <a:noFill/>
-          <a:ln>
-            <a:noFill/>
-          </a:ln>
-          <a:extLst>
-            <a:ext uri="{909E8E84-426E-40DD-AFC4-6F175D3DCCD1}">
-              <a14:hiddenFill xmlns:a14="http://schemas.microsoft.com/office/drawing/2010/main">
-                <a:solidFill>
-                  <a:schemeClr val="accent1"/>
-                </a:solidFill>
-              </a14:hiddenFill>
-            </a:ext>
-            <a:ext uri="{91240B29-F687-4F45-9708-019B960494DF}">
-              <a14:hiddenLine xmlns:a14="http://schemas.microsoft.com/office/drawing/2010/main" w="9525">
-                <a:solidFill>
-                  <a:schemeClr val="tx1"/>
-                </a:solidFill>
-                <a:miter lim="800000"/>
-                <a:headEnd/>
-                <a:tailEnd/>
-              </a14:hiddenLine>
-            </a:ext>
-          </a:extLst>
-        </p:spPr>
-      </p:pic>
-      <p:pic>
-        <p:nvPicPr>
-          <p:cNvPr id="26" name="Picture 2"/>
-          <p:cNvPicPr>
-            <a:picLocks noChangeAspect="1" noChangeArrowheads="1"/>
-          </p:cNvPicPr>
-          <p:nvPr/>
-        </p:nvPicPr>
-        <p:blipFill>
-          <a:blip r:embed="rId3" cstate="print">
-            <a:extLst>
-              <a:ext uri="{28A0092B-C50C-407E-A947-70E740481C1C}">
-                <a14:useLocalDpi xmlns:a14="http://schemas.microsoft.com/office/drawing/2010/main" val="0"/>
-              </a:ext>
-            </a:extLst>
-          </a:blip>
-          <a:srcRect/>
-          <a:stretch>
-            <a:fillRect/>
-          </a:stretch>
-        </p:blipFill>
-        <p:spPr bwMode="auto">
-          <a:xfrm>
-            <a:off x="489078" y="4390572"/>
-            <a:ext cx="1121164" cy="1294237"/>
-          </a:xfrm>
-          <a:prstGeom prst="rect">
-            <a:avLst/>
-          </a:prstGeom>
-          <a:noFill/>
-          <a:ln>
-            <a:noFill/>
-          </a:ln>
-          <a:extLst>
-            <a:ext uri="{909E8E84-426E-40DD-AFC4-6F175D3DCCD1}">
-              <a14:hiddenFill xmlns:a14="http://schemas.microsoft.com/office/drawing/2010/main">
-                <a:solidFill>
-                  <a:schemeClr val="accent1"/>
-                </a:solidFill>
-              </a14:hiddenFill>
-            </a:ext>
-            <a:ext uri="{91240B29-F687-4F45-9708-019B960494DF}">
-              <a14:hiddenLine xmlns:a14="http://schemas.microsoft.com/office/drawing/2010/main" w="9525">
-                <a:solidFill>
-                  <a:schemeClr val="tx1"/>
-                </a:solidFill>
-                <a:miter lim="800000"/>
-                <a:headEnd/>
-                <a:tailEnd/>
-              </a14:hiddenLine>
-            </a:ext>
-          </a:extLst>
-        </p:spPr>
-      </p:pic>
-    </p:spTree>
-    <p:extLst>
-      <p:ext uri="{BB962C8B-B14F-4D97-AF65-F5344CB8AC3E}">
-        <p14:creationId xmlns:p14="http://schemas.microsoft.com/office/powerpoint/2010/main" val="3433132411"/>
-      </p:ext>
-    </p:extLst>
-  </p:cSld>
-  <p:clrMapOvr>
-    <a:masterClrMapping/>
-  </p:clrMapOvr>
-</p:sld>
-</file>
-
-<file path=ppt/slides/slide4.xml><?xml version="1.0" encoding="utf-8"?>
 <p:sld xmlns:a="http://schemas.openxmlformats.org/drawingml/2006/main" xmlns:r="http://schemas.openxmlformats.org/officeDocument/2006/relationships" xmlns:p="http://schemas.openxmlformats.org/presentationml/2006/main">
   <p:cSld>
     <p:spTree>

--- a/Doc/흐름도 초안(수정).pptx
+++ b/Doc/흐름도 초안(수정).pptx
@@ -3315,12 +3315,20 @@
           <a:p>
             <a:pPr algn="ctr"/>
             <a:r>
+              <a:rPr lang="ko-KR" altLang="en-US" dirty="0" err="1" smtClean="0">
+                <a:solidFill>
+                  <a:schemeClr val="tx1"/>
+                </a:solidFill>
+              </a:rPr>
+              <a:t>기상데이터</a:t>
+            </a:r>
+            <a:r>
               <a:rPr lang="ko-KR" altLang="en-US" dirty="0" smtClean="0">
                 <a:solidFill>
                   <a:schemeClr val="tx1"/>
                 </a:solidFill>
               </a:rPr>
-              <a:t>데이터 수집</a:t>
+              <a:t> 수집</a:t>
             </a:r>
             <a:endParaRPr lang="ko-KR" altLang="en-US" dirty="0">
               <a:solidFill>
@@ -3408,7 +3416,23 @@
                   <a:schemeClr val="tx1"/>
                 </a:solidFill>
               </a:rPr>
-              <a:t>데이터 삽입</a:t>
+              <a:t>데이터 </a:t>
+            </a:r>
+            <a:endParaRPr lang="en-US" altLang="ko-KR" dirty="0" smtClean="0">
+              <a:solidFill>
+                <a:schemeClr val="tx1"/>
+              </a:solidFill>
+            </a:endParaRPr>
+          </a:p>
+          <a:p>
+            <a:pPr algn="ctr"/>
+            <a:r>
+              <a:rPr lang="ko-KR" altLang="en-US" dirty="0" smtClean="0">
+                <a:solidFill>
+                  <a:schemeClr val="tx1"/>
+                </a:solidFill>
+              </a:rPr>
+              <a:t>전처리</a:t>
             </a:r>
             <a:endParaRPr lang="ko-KR" altLang="en-US" dirty="0">
               <a:solidFill>
